--- a/slides/picking-holiday-flat.pptx
+++ b/slides/picking-holiday-flat.pptx
@@ -5,10 +5,10 @@
     <p:sldMasterId id="2147483648" r:id="rId4"/>
   </p:sldMasterIdLst>
   <p:notesMasterIdLst>
-    <p:notesMasterId r:id="rId19"/>
+    <p:notesMasterId r:id="rId20"/>
   </p:notesMasterIdLst>
   <p:handoutMasterIdLst>
-    <p:handoutMasterId r:id="rId20"/>
+    <p:handoutMasterId r:id="rId21"/>
   </p:handoutMasterIdLst>
   <p:sldIdLst>
     <p:sldId id="256" r:id="rId5"/>
@@ -16,15 +16,16 @@
     <p:sldId id="258" r:id="rId7"/>
     <p:sldId id="270" r:id="rId8"/>
     <p:sldId id="266" r:id="rId9"/>
-    <p:sldId id="274" r:id="rId10"/>
-    <p:sldId id="263" r:id="rId11"/>
-    <p:sldId id="271" r:id="rId12"/>
-    <p:sldId id="262" r:id="rId13"/>
+    <p:sldId id="262" r:id="rId10"/>
+    <p:sldId id="274" r:id="rId11"/>
+    <p:sldId id="263" r:id="rId12"/>
+    <p:sldId id="271" r:id="rId13"/>
     <p:sldId id="267" r:id="rId14"/>
     <p:sldId id="268" r:id="rId15"/>
     <p:sldId id="269" r:id="rId16"/>
-    <p:sldId id="272" r:id="rId17"/>
-    <p:sldId id="273" r:id="rId18"/>
+    <p:sldId id="275" r:id="rId17"/>
+    <p:sldId id="276" r:id="rId18"/>
+    <p:sldId id="273" r:id="rId19"/>
   </p:sldIdLst>
   <p:sldSz cx="12192000" cy="6858000"/>
   <p:notesSz cx="6858000" cy="9144000"/>
@@ -265,7 +266,7 @@
           <a:p>
             <a:fld id="{36C8F565-B049-4A67-B608-43894FB78B6E}" type="datetimeFigureOut">
               <a:rPr lang="de-DE" smtClean="0"/>
-              <a:t>16.01.2021</a:t>
+              <a:t>19.01.2021</a:t>
             </a:fld>
             <a:endParaRPr lang="de-DE"/>
           </a:p>
@@ -446,7 +447,7 @@
           <a:p>
             <a:fld id="{ED711C60-4F98-4888-9FAD-867D05403646}" type="datetimeFigureOut">
               <a:rPr lang="de-DE" smtClean="0"/>
-              <a:t>16.01.2021</a:t>
+              <a:t>19.01.2021</a:t>
             </a:fld>
             <a:endParaRPr lang="de-DE"/>
           </a:p>
@@ -2548,7 +2549,7 @@
         <p:spPr>
           <a:xfrm>
             <a:off x="539999" y="4068000"/>
-            <a:ext cx="8508307" cy="1296000"/>
+            <a:ext cx="9556501" cy="1296000"/>
           </a:xfrm>
         </p:spPr>
         <p:txBody>
@@ -2598,13 +2599,7 @@
           <a:p>
             <a:r>
               <a:rPr lang="en-US"/>
-              <a:t>Antrittsvorlesung, January 2021</a:t>
-            </a:r>
-          </a:p>
-          <a:p>
-            <a:r>
-              <a:rPr lang="en-US"/>
-              <a:t>Study Program Data Science</a:t>
+              <a:t>Antrittsvorlesung an der Fachhochschule Kiel</a:t>
             </a:r>
           </a:p>
           <a:p>
@@ -4415,35 +4410,10 @@
       </p:grpSpPr>
       <p:sp>
         <p:nvSpPr>
-          <p:cNvPr id="2" name="Titel 1">
-            <a:extLst>
-              <a:ext uri="{FF2B5EF4-FFF2-40B4-BE49-F238E27FC236}">
-                <a16:creationId xmlns:a16="http://schemas.microsoft.com/office/drawing/2014/main" id="{83EF3DCB-D3A6-4999-952D-1024DF8BC867}"/>
-              </a:ext>
-            </a:extLst>
-          </p:cNvPr>
-          <p:cNvSpPr>
-            <a:spLocks noGrp="1"/>
-          </p:cNvSpPr>
-          <p:nvPr>
-            <p:ph type="title"/>
-          </p:nvPr>
-        </p:nvSpPr>
-        <p:spPr/>
-        <p:txBody>
-          <a:bodyPr/>
-          <a:lstStyle/>
-          <a:p>
-            <a:endParaRPr lang="de-DE"/>
-          </a:p>
-        </p:txBody>
-      </p:sp>
-      <p:sp>
-        <p:nvSpPr>
-          <p:cNvPr id="3" name="Fußzeilenplatzhalter 2">
-            <a:extLst>
-              <a:ext uri="{FF2B5EF4-FFF2-40B4-BE49-F238E27FC236}">
-                <a16:creationId xmlns:a16="http://schemas.microsoft.com/office/drawing/2014/main" id="{6E7F66D1-DEA6-4963-8C24-4F5C3D3C959A}"/>
+          <p:cNvPr id="2" name="Fußzeilenplatzhalter 1">
+            <a:extLst>
+              <a:ext uri="{FF2B5EF4-FFF2-40B4-BE49-F238E27FC236}">
+                <a16:creationId xmlns:a16="http://schemas.microsoft.com/office/drawing/2014/main" id="{030D99C2-14D0-4FCD-990F-0C58080F1013}"/>
               </a:ext>
             </a:extLst>
           </p:cNvPr>
@@ -4468,10 +4438,10 @@
       </p:sp>
       <p:sp>
         <p:nvSpPr>
-          <p:cNvPr id="4" name="Foliennummernplatzhalter 3">
-            <a:extLst>
-              <a:ext uri="{FF2B5EF4-FFF2-40B4-BE49-F238E27FC236}">
-                <a16:creationId xmlns:a16="http://schemas.microsoft.com/office/drawing/2014/main" id="{A3A08F51-3D56-46E0-B214-D1692FB0C5AA}"/>
+          <p:cNvPr id="3" name="Foliennummernplatzhalter 2">
+            <a:extLst>
+              <a:ext uri="{FF2B5EF4-FFF2-40B4-BE49-F238E27FC236}">
+                <a16:creationId xmlns:a16="http://schemas.microsoft.com/office/drawing/2014/main" id="{DC3E261C-94B2-4A8B-BA28-953F10C2E453}"/>
               </a:ext>
             </a:extLst>
           </p:cNvPr>
@@ -4498,10 +4468,10 @@
       </p:sp>
       <p:pic>
         <p:nvPicPr>
-          <p:cNvPr id="6" name="Grafik 5">
-            <a:extLst>
-              <a:ext uri="{FF2B5EF4-FFF2-40B4-BE49-F238E27FC236}">
-                <a16:creationId xmlns:a16="http://schemas.microsoft.com/office/drawing/2014/main" id="{2D96BD78-CE33-4572-B5AC-656E3192804C}"/>
+          <p:cNvPr id="5" name="Grafik 4">
+            <a:extLst>
+              <a:ext uri="{FF2B5EF4-FFF2-40B4-BE49-F238E27FC236}">
+                <a16:creationId xmlns:a16="http://schemas.microsoft.com/office/drawing/2014/main" id="{8F8B6F60-7282-49F1-A9CA-D604D3A4FC73}"/>
               </a:ext>
             </a:extLst>
           </p:cNvPr>
@@ -4518,105 +4488,279 @@
         </p:blipFill>
         <p:spPr>
           <a:xfrm>
-            <a:off x="114300" y="117327"/>
-            <a:ext cx="11785600" cy="6497214"/>
+            <a:off x="740700" y="175089"/>
+            <a:ext cx="10527300" cy="5683450"/>
           </a:xfrm>
           <a:prstGeom prst="rect">
             <a:avLst/>
           </a:prstGeom>
         </p:spPr>
       </p:pic>
-      <p:sp>
-        <p:nvSpPr>
-          <p:cNvPr id="7" name="Textfeld 6">
-            <a:extLst>
-              <a:ext uri="{FF2B5EF4-FFF2-40B4-BE49-F238E27FC236}">
-                <a16:creationId xmlns:a16="http://schemas.microsoft.com/office/drawing/2014/main" id="{BDA7B0DC-493E-4C30-ADE1-9E5A5C4D91B3}"/>
-              </a:ext>
-            </a:extLst>
-          </p:cNvPr>
-          <p:cNvSpPr txBox="1"/>
+      <p:pic>
+        <p:nvPicPr>
+          <p:cNvPr id="10" name="Grafik 9">
+            <a:extLst>
+              <a:ext uri="{FF2B5EF4-FFF2-40B4-BE49-F238E27FC236}">
+                <a16:creationId xmlns:a16="http://schemas.microsoft.com/office/drawing/2014/main" id="{17DA508E-559D-4E58-A266-9D7980A212F3}"/>
+              </a:ext>
+            </a:extLst>
+          </p:cNvPr>
+          <p:cNvPicPr>
+            <a:picLocks noChangeAspect="1"/>
+          </p:cNvPicPr>
           <p:nvPr/>
-        </p:nvSpPr>
+        </p:nvPicPr>
+        <p:blipFill>
+          <a:blip r:embed="rId3"/>
+          <a:stretch>
+            <a:fillRect/>
+          </a:stretch>
+        </p:blipFill>
         <p:spPr>
           <a:xfrm>
-            <a:off x="7493000" y="1659930"/>
-            <a:ext cx="4406900" cy="2800767"/>
+            <a:off x="4916487" y="961360"/>
+            <a:ext cx="688716" cy="4860000"/>
           </a:xfrm>
           <a:prstGeom prst="rect">
             <a:avLst/>
           </a:prstGeom>
-          <a:solidFill>
-            <a:schemeClr val="bg1">
-              <a:lumMod val="95000"/>
-            </a:schemeClr>
-          </a:solidFill>
         </p:spPr>
-        <p:txBody>
-          <a:bodyPr wrap="square" rtlCol="0">
-            <a:spAutoFit/>
-          </a:bodyPr>
-          <a:lstStyle/>
-          <a:p>
-            <a:r>
-              <a:rPr lang="de-DE" sz="2000" b="1"/>
-              <a:t>Entire Apartment: $ 32.28 * 1</a:t>
-            </a:r>
-          </a:p>
-          <a:p>
-            <a:r>
-              <a:rPr lang="de-DE" sz="2000" b="1"/>
-              <a:t>Accomodates:        $   9.87 * 3</a:t>
-            </a:r>
-          </a:p>
-          <a:p>
-            <a:r>
-              <a:rPr lang="de-DE" sz="2000" b="1"/>
-              <a:t>WiFi:                        $   1.66 * 1</a:t>
-            </a:r>
-          </a:p>
-          <a:p>
-            <a:r>
-              <a:rPr lang="de-DE" sz="2000" b="1"/>
-              <a:t>Attractions:            $  0.73 * 5</a:t>
-            </a:r>
-          </a:p>
-          <a:p>
-            <a:r>
-              <a:rPr lang="de-DE" sz="2000" b="1"/>
-              <a:t>Restaurants:           $  0.29 * 22</a:t>
-            </a:r>
-          </a:p>
-          <a:p>
-            <a:r>
-              <a:rPr lang="de-DE" sz="2000" b="1"/>
-              <a:t>Stop Distance:       $  0 * 150</a:t>
-            </a:r>
-          </a:p>
-          <a:p>
-            <a:r>
-              <a:rPr lang="de-DE" sz="2000" b="1"/>
-              <a:t>Total predicted price = $ 75</a:t>
-            </a:r>
-          </a:p>
-          <a:p>
-            <a:endParaRPr lang="de-DE"/>
-          </a:p>
-          <a:p>
-            <a:endParaRPr lang="de-DE"/>
-          </a:p>
-        </p:txBody>
-      </p:sp>
+      </p:pic>
+      <p:pic>
+        <p:nvPicPr>
+          <p:cNvPr id="11" name="Grafik 10">
+            <a:extLst>
+              <a:ext uri="{FF2B5EF4-FFF2-40B4-BE49-F238E27FC236}">
+                <a16:creationId xmlns:a16="http://schemas.microsoft.com/office/drawing/2014/main" id="{C3747A25-4EF6-4E34-B665-6A887D850B69}"/>
+              </a:ext>
+            </a:extLst>
+          </p:cNvPr>
+          <p:cNvPicPr>
+            <a:picLocks noChangeAspect="1"/>
+          </p:cNvPicPr>
+          <p:nvPr/>
+        </p:nvPicPr>
+        <p:blipFill>
+          <a:blip r:embed="rId4"/>
+          <a:stretch>
+            <a:fillRect/>
+          </a:stretch>
+        </p:blipFill>
+        <p:spPr>
+          <a:xfrm>
+            <a:off x="6321424" y="977355"/>
+            <a:ext cx="900766" cy="4838400"/>
+          </a:xfrm>
+          <a:prstGeom prst="rect">
+            <a:avLst/>
+          </a:prstGeom>
+        </p:spPr>
+      </p:pic>
+      <p:pic>
+        <p:nvPicPr>
+          <p:cNvPr id="15" name="Grafik 14">
+            <a:extLst>
+              <a:ext uri="{FF2B5EF4-FFF2-40B4-BE49-F238E27FC236}">
+                <a16:creationId xmlns:a16="http://schemas.microsoft.com/office/drawing/2014/main" id="{2EE9658C-E152-4D55-9182-00A627383669}"/>
+              </a:ext>
+            </a:extLst>
+          </p:cNvPr>
+          <p:cNvPicPr>
+            <a:picLocks noChangeAspect="1"/>
+          </p:cNvPicPr>
+          <p:nvPr/>
+        </p:nvPicPr>
+        <p:blipFill>
+          <a:blip r:embed="rId5"/>
+          <a:stretch>
+            <a:fillRect/>
+          </a:stretch>
+        </p:blipFill>
+        <p:spPr>
+          <a:xfrm>
+            <a:off x="6156323" y="6014769"/>
+            <a:ext cx="4031123" cy="668142"/>
+          </a:xfrm>
+          <a:prstGeom prst="rect">
+            <a:avLst/>
+          </a:prstGeom>
+        </p:spPr>
+      </p:pic>
     </p:spTree>
     <p:extLst>
       <p:ext uri="{BB962C8B-B14F-4D97-AF65-F5344CB8AC3E}">
-        <p14:creationId xmlns:p14="http://schemas.microsoft.com/office/powerpoint/2010/main" val="2395538252"/>
+        <p14:creationId xmlns:p14="http://schemas.microsoft.com/office/powerpoint/2010/main" val="1816788835"/>
       </p:ext>
     </p:extLst>
   </p:cSld>
   <p:clrMapOvr>
     <a:masterClrMapping/>
   </p:clrMapOvr>
+  <p:timing>
+    <p:tnLst>
+      <p:par>
+        <p:cTn id="1" dur="indefinite" restart="never" nodeType="tmRoot">
+          <p:childTnLst>
+            <p:seq concurrent="1" nextAc="seek">
+              <p:cTn id="2" dur="indefinite" nodeType="mainSeq">
+                <p:childTnLst>
+                  <p:par>
+                    <p:cTn id="3" fill="hold">
+                      <p:stCondLst>
+                        <p:cond delay="indefinite"/>
+                      </p:stCondLst>
+                      <p:childTnLst>
+                        <p:par>
+                          <p:cTn id="4" fill="hold">
+                            <p:stCondLst>
+                              <p:cond delay="0"/>
+                            </p:stCondLst>
+                            <p:childTnLst>
+                              <p:par>
+                                <p:cTn id="5" presetID="1" presetClass="entr" presetSubtype="0" fill="hold" nodeType="clickEffect">
+                                  <p:stCondLst>
+                                    <p:cond delay="0"/>
+                                  </p:stCondLst>
+                                  <p:childTnLst>
+                                    <p:set>
+                                      <p:cBhvr>
+                                        <p:cTn id="6" dur="1" fill="hold">
+                                          <p:stCondLst>
+                                            <p:cond delay="0"/>
+                                          </p:stCondLst>
+                                        </p:cTn>
+                                        <p:tgtEl>
+                                          <p:spTgt spid="10"/>
+                                        </p:tgtEl>
+                                        <p:attrNameLst>
+                                          <p:attrName>style.visibility</p:attrName>
+                                        </p:attrNameLst>
+                                      </p:cBhvr>
+                                      <p:to>
+                                        <p:strVal val="visible"/>
+                                      </p:to>
+                                    </p:set>
+                                  </p:childTnLst>
+                                </p:cTn>
+                              </p:par>
+                            </p:childTnLst>
+                          </p:cTn>
+                        </p:par>
+                      </p:childTnLst>
+                    </p:cTn>
+                  </p:par>
+                  <p:par>
+                    <p:cTn id="7" fill="hold">
+                      <p:stCondLst>
+                        <p:cond delay="indefinite"/>
+                      </p:stCondLst>
+                      <p:childTnLst>
+                        <p:par>
+                          <p:cTn id="8" fill="hold">
+                            <p:stCondLst>
+                              <p:cond delay="0"/>
+                            </p:stCondLst>
+                            <p:childTnLst>
+                              <p:par>
+                                <p:cTn id="9" presetID="1" presetClass="entr" presetSubtype="0" fill="hold" nodeType="clickEffect">
+                                  <p:stCondLst>
+                                    <p:cond delay="0"/>
+                                  </p:stCondLst>
+                                  <p:childTnLst>
+                                    <p:set>
+                                      <p:cBhvr>
+                                        <p:cTn id="10" dur="1" fill="hold">
+                                          <p:stCondLst>
+                                            <p:cond delay="0"/>
+                                          </p:stCondLst>
+                                        </p:cTn>
+                                        <p:tgtEl>
+                                          <p:spTgt spid="11"/>
+                                        </p:tgtEl>
+                                        <p:attrNameLst>
+                                          <p:attrName>style.visibility</p:attrName>
+                                        </p:attrNameLst>
+                                      </p:cBhvr>
+                                      <p:to>
+                                        <p:strVal val="visible"/>
+                                      </p:to>
+                                    </p:set>
+                                  </p:childTnLst>
+                                </p:cTn>
+                              </p:par>
+                            </p:childTnLst>
+                          </p:cTn>
+                        </p:par>
+                      </p:childTnLst>
+                    </p:cTn>
+                  </p:par>
+                  <p:par>
+                    <p:cTn id="11" fill="hold">
+                      <p:stCondLst>
+                        <p:cond delay="indefinite"/>
+                      </p:stCondLst>
+                      <p:childTnLst>
+                        <p:par>
+                          <p:cTn id="12" fill="hold">
+                            <p:stCondLst>
+                              <p:cond delay="0"/>
+                            </p:stCondLst>
+                            <p:childTnLst>
+                              <p:par>
+                                <p:cTn id="13" presetID="1" presetClass="entr" presetSubtype="0" fill="hold" nodeType="clickEffect">
+                                  <p:stCondLst>
+                                    <p:cond delay="0"/>
+                                  </p:stCondLst>
+                                  <p:childTnLst>
+                                    <p:set>
+                                      <p:cBhvr>
+                                        <p:cTn id="14" dur="1" fill="hold">
+                                          <p:stCondLst>
+                                            <p:cond delay="0"/>
+                                          </p:stCondLst>
+                                        </p:cTn>
+                                        <p:tgtEl>
+                                          <p:spTgt spid="15"/>
+                                        </p:tgtEl>
+                                        <p:attrNameLst>
+                                          <p:attrName>style.visibility</p:attrName>
+                                        </p:attrNameLst>
+                                      </p:cBhvr>
+                                      <p:to>
+                                        <p:strVal val="visible"/>
+                                      </p:to>
+                                    </p:set>
+                                  </p:childTnLst>
+                                </p:cTn>
+                              </p:par>
+                            </p:childTnLst>
+                          </p:cTn>
+                        </p:par>
+                      </p:childTnLst>
+                    </p:cTn>
+                  </p:par>
+                </p:childTnLst>
+              </p:cTn>
+              <p:prevCondLst>
+                <p:cond evt="onPrev" delay="0">
+                  <p:tgtEl>
+                    <p:sldTgt/>
+                  </p:tgtEl>
+                </p:cond>
+              </p:prevCondLst>
+              <p:nextCondLst>
+                <p:cond evt="onNext" delay="0">
+                  <p:tgtEl>
+                    <p:sldTgt/>
+                  </p:tgtEl>
+                </p:cond>
+              </p:nextCondLst>
+            </p:seq>
+          </p:childTnLst>
+        </p:cTn>
+      </p:par>
+    </p:tnLst>
+  </p:timing>
 </p:sld>
 </file>
 
@@ -4642,7 +4786,7 @@
           <p:cNvPr id="2" name="Titel 1">
             <a:extLst>
               <a:ext uri="{FF2B5EF4-FFF2-40B4-BE49-F238E27FC236}">
-                <a16:creationId xmlns:a16="http://schemas.microsoft.com/office/drawing/2014/main" id="{BF0E8BA0-6FCB-480C-AFF0-78FA1500390C}"/>
+                <a16:creationId xmlns:a16="http://schemas.microsoft.com/office/drawing/2014/main" id="{67F1A727-1FAD-43F1-82B7-40713B852AFE}"/>
               </a:ext>
             </a:extLst>
           </p:cNvPr>
@@ -4658,10 +4802,7 @@
           <a:bodyPr/>
           <a:lstStyle/>
           <a:p>
-            <a:r>
-              <a:rPr lang="de-DE" sz="4000"/>
-              <a:t>Final perspectives</a:t>
-            </a:r>
+            <a:endParaRPr lang="de-DE"/>
           </a:p>
         </p:txBody>
       </p:sp>
@@ -4670,7 +4811,7 @@
           <p:cNvPr id="3" name="Fußzeilenplatzhalter 2">
             <a:extLst>
               <a:ext uri="{FF2B5EF4-FFF2-40B4-BE49-F238E27FC236}">
-                <a16:creationId xmlns:a16="http://schemas.microsoft.com/office/drawing/2014/main" id="{43FFA983-F8C7-443E-9254-D3E8C077CF16}"/>
+                <a16:creationId xmlns:a16="http://schemas.microsoft.com/office/drawing/2014/main" id="{DC604A9A-AFE2-421B-9D0C-15D8833ADCD0}"/>
               </a:ext>
             </a:extLst>
           </p:cNvPr>
@@ -4698,7 +4839,7 @@
           <p:cNvPr id="4" name="Foliennummernplatzhalter 3">
             <a:extLst>
               <a:ext uri="{FF2B5EF4-FFF2-40B4-BE49-F238E27FC236}">
-                <a16:creationId xmlns:a16="http://schemas.microsoft.com/office/drawing/2014/main" id="{7F9027C9-57E8-4A9C-A781-77886388AC89}"/>
+                <a16:creationId xmlns:a16="http://schemas.microsoft.com/office/drawing/2014/main" id="{8A10C7D0-C744-4897-8B67-70AE5CD5F9D5}"/>
               </a:ext>
             </a:extLst>
           </p:cNvPr>
@@ -4728,6 +4869,153 @@
           <p:cNvPr id="5" name="Textplatzhalter 4">
             <a:extLst>
               <a:ext uri="{FF2B5EF4-FFF2-40B4-BE49-F238E27FC236}">
+                <a16:creationId xmlns:a16="http://schemas.microsoft.com/office/drawing/2014/main" id="{7633D9AB-EFF4-4C93-9ADF-7C000DF9C888}"/>
+              </a:ext>
+            </a:extLst>
+          </p:cNvPr>
+          <p:cNvSpPr>
+            <a:spLocks noGrp="1"/>
+          </p:cNvSpPr>
+          <p:nvPr>
+            <p:ph type="body" sz="quarter" idx="12"/>
+          </p:nvPr>
+        </p:nvSpPr>
+        <p:spPr/>
+        <p:txBody>
+          <a:bodyPr anchor="ctr"/>
+          <a:lstStyle/>
+          <a:p>
+            <a:pPr marL="0" indent="0" algn="ctr">
+              <a:buNone/>
+            </a:pPr>
+            <a:r>
+              <a:rPr lang="de-DE" sz="4000"/>
+              <a:t>Demo Application</a:t>
+            </a:r>
+          </a:p>
+        </p:txBody>
+      </p:sp>
+    </p:spTree>
+    <p:extLst>
+      <p:ext uri="{BB962C8B-B14F-4D97-AF65-F5344CB8AC3E}">
+        <p14:creationId xmlns:p14="http://schemas.microsoft.com/office/powerpoint/2010/main" val="3196127500"/>
+      </p:ext>
+    </p:extLst>
+  </p:cSld>
+  <p:clrMapOvr>
+    <a:masterClrMapping/>
+  </p:clrMapOvr>
+</p:sld>
+</file>
+
+<file path=ppt/slides/slide15.xml><?xml version="1.0" encoding="utf-8"?>
+<p:sld xmlns:a="http://schemas.openxmlformats.org/drawingml/2006/main" xmlns:r="http://schemas.openxmlformats.org/officeDocument/2006/relationships" xmlns:p="http://schemas.openxmlformats.org/presentationml/2006/main">
+  <p:cSld>
+    <p:spTree>
+      <p:nvGrpSpPr>
+        <p:cNvPr id="1" name=""/>
+        <p:cNvGrpSpPr/>
+        <p:nvPr/>
+      </p:nvGrpSpPr>
+      <p:grpSpPr>
+        <a:xfrm>
+          <a:off x="0" y="0"/>
+          <a:ext cx="0" cy="0"/>
+          <a:chOff x="0" y="0"/>
+          <a:chExt cx="0" cy="0"/>
+        </a:xfrm>
+      </p:grpSpPr>
+      <p:sp>
+        <p:nvSpPr>
+          <p:cNvPr id="2" name="Titel 1">
+            <a:extLst>
+              <a:ext uri="{FF2B5EF4-FFF2-40B4-BE49-F238E27FC236}">
+                <a16:creationId xmlns:a16="http://schemas.microsoft.com/office/drawing/2014/main" id="{BF0E8BA0-6FCB-480C-AFF0-78FA1500390C}"/>
+              </a:ext>
+            </a:extLst>
+          </p:cNvPr>
+          <p:cNvSpPr>
+            <a:spLocks noGrp="1"/>
+          </p:cNvSpPr>
+          <p:nvPr>
+            <p:ph type="title"/>
+          </p:nvPr>
+        </p:nvSpPr>
+        <p:spPr/>
+        <p:txBody>
+          <a:bodyPr/>
+          <a:lstStyle/>
+          <a:p>
+            <a:r>
+              <a:rPr lang="de-DE" sz="4000"/>
+              <a:t>Final perspectives</a:t>
+            </a:r>
+          </a:p>
+        </p:txBody>
+      </p:sp>
+      <p:sp>
+        <p:nvSpPr>
+          <p:cNvPr id="3" name="Fußzeilenplatzhalter 2">
+            <a:extLst>
+              <a:ext uri="{FF2B5EF4-FFF2-40B4-BE49-F238E27FC236}">
+                <a16:creationId xmlns:a16="http://schemas.microsoft.com/office/drawing/2014/main" id="{43FFA983-F8C7-443E-9254-D3E8C077CF16}"/>
+              </a:ext>
+            </a:extLst>
+          </p:cNvPr>
+          <p:cNvSpPr>
+            <a:spLocks noGrp="1"/>
+          </p:cNvSpPr>
+          <p:nvPr>
+            <p:ph type="ftr" sz="quarter" idx="10"/>
+          </p:nvPr>
+        </p:nvSpPr>
+        <p:spPr/>
+        <p:txBody>
+          <a:bodyPr/>
+          <a:lstStyle/>
+          <a:p>
+            <a:r>
+              <a:rPr lang="en-US" noProof="0"/>
+              <a:t>Prof. Dr. Tillmann Schwörer</a:t>
+            </a:r>
+          </a:p>
+        </p:txBody>
+      </p:sp>
+      <p:sp>
+        <p:nvSpPr>
+          <p:cNvPr id="4" name="Foliennummernplatzhalter 3">
+            <a:extLst>
+              <a:ext uri="{FF2B5EF4-FFF2-40B4-BE49-F238E27FC236}">
+                <a16:creationId xmlns:a16="http://schemas.microsoft.com/office/drawing/2014/main" id="{7F9027C9-57E8-4A9C-A781-77886388AC89}"/>
+              </a:ext>
+            </a:extLst>
+          </p:cNvPr>
+          <p:cNvSpPr>
+            <a:spLocks noGrp="1"/>
+          </p:cNvSpPr>
+          <p:nvPr>
+            <p:ph type="sldNum" sz="quarter" idx="11"/>
+          </p:nvPr>
+        </p:nvSpPr>
+        <p:spPr/>
+        <p:txBody>
+          <a:bodyPr/>
+          <a:lstStyle/>
+          <a:p>
+            <a:fld id="{F5F19A2F-F7A0-42C7-B875-D17FCC656837}" type="slidenum">
+              <a:rPr lang="en-US" noProof="0" smtClean="0"/>
+              <a:pPr/>
+              <a:t>15</a:t>
+            </a:fld>
+            <a:endParaRPr lang="en-US" noProof="0"/>
+          </a:p>
+        </p:txBody>
+      </p:sp>
+      <p:sp>
+        <p:nvSpPr>
+          <p:cNvPr id="5" name="Textplatzhalter 4">
+            <a:extLst>
+              <a:ext uri="{FF2B5EF4-FFF2-40B4-BE49-F238E27FC236}">
                 <a16:creationId xmlns:a16="http://schemas.microsoft.com/office/drawing/2014/main" id="{854AC4F1-1C6B-4050-AAA1-09C8EBB718E3}"/>
               </a:ext>
             </a:extLst>
@@ -4746,32 +5034,35 @@
           <a:p>
             <a:r>
               <a:rPr lang="de-DE" sz="3200"/>
-              <a:t>Concrete use case: application project with IB.SH</a:t>
+              <a:t>Insights for guests and apartment hosts</a:t>
             </a:r>
           </a:p>
           <a:p>
             <a:r>
               <a:rPr lang="de-DE" sz="3200"/>
-              <a:t>Thinking in terms of data science products: </a:t>
-            </a:r>
-          </a:p>
-          <a:p>
-            <a:pPr lvl="1"/>
-            <a:r>
-              <a:rPr lang="de-DE" sz="3000"/>
-              <a:t>How can we (or someone else) actually use our results?</a:t>
+              <a:t>Extensible to housing market in general</a:t>
+            </a:r>
+          </a:p>
+          <a:p>
+            <a:r>
+              <a:rPr lang="de-DE" sz="3200"/>
+              <a:t>Relevancy for urban planning: </a:t>
+            </a:r>
+            <a:r>
+              <a:rPr lang="de-DE" sz="3200">
+                <a:sym typeface="Wingdings" panose="05000000000000000000" pitchFamily="2" charset="2"/>
+              </a:rPr>
+              <a:t> </a:t>
+            </a:r>
+            <a:r>
+              <a:rPr lang="de-DE" sz="3200"/>
+              <a:t>application project with IB.SH</a:t>
             </a:r>
           </a:p>
           <a:p>
             <a:r>
               <a:rPr lang="de-DE" sz="3200"/>
               <a:t>90% of the time spend on data assembly and feature engineering</a:t>
-            </a:r>
-          </a:p>
-          <a:p>
-            <a:r>
-              <a:rPr lang="de-DE" sz="3200"/>
-              <a:t>Open data and open source software</a:t>
             </a:r>
           </a:p>
         </p:txBody>
@@ -4786,6 +5077,232 @@
   <p:clrMapOvr>
     <a:masterClrMapping/>
   </p:clrMapOvr>
+  <p:timing>
+    <p:tnLst>
+      <p:par>
+        <p:cTn id="1" dur="indefinite" restart="never" nodeType="tmRoot">
+          <p:childTnLst>
+            <p:seq concurrent="1" nextAc="seek">
+              <p:cTn id="2" dur="indefinite" nodeType="mainSeq">
+                <p:childTnLst>
+                  <p:par>
+                    <p:cTn id="3" fill="hold">
+                      <p:stCondLst>
+                        <p:cond delay="indefinite"/>
+                      </p:stCondLst>
+                      <p:childTnLst>
+                        <p:par>
+                          <p:cTn id="4" fill="hold">
+                            <p:stCondLst>
+                              <p:cond delay="0"/>
+                            </p:stCondLst>
+                            <p:childTnLst>
+                              <p:par>
+                                <p:cTn id="5" presetID="1" presetClass="entr" presetSubtype="0" fill="hold" nodeType="clickEffect">
+                                  <p:stCondLst>
+                                    <p:cond delay="0"/>
+                                  </p:stCondLst>
+                                  <p:childTnLst>
+                                    <p:set>
+                                      <p:cBhvr>
+                                        <p:cTn id="6" dur="1" fill="hold">
+                                          <p:stCondLst>
+                                            <p:cond delay="0"/>
+                                          </p:stCondLst>
+                                        </p:cTn>
+                                        <p:tgtEl>
+                                          <p:spTgt spid="5">
+                                            <p:txEl>
+                                              <p:pRg st="0" end="0"/>
+                                            </p:txEl>
+                                          </p:spTgt>
+                                        </p:tgtEl>
+                                        <p:attrNameLst>
+                                          <p:attrName>style.visibility</p:attrName>
+                                        </p:attrNameLst>
+                                      </p:cBhvr>
+                                      <p:to>
+                                        <p:strVal val="visible"/>
+                                      </p:to>
+                                    </p:set>
+                                  </p:childTnLst>
+                                </p:cTn>
+                              </p:par>
+                            </p:childTnLst>
+                          </p:cTn>
+                        </p:par>
+                      </p:childTnLst>
+                    </p:cTn>
+                  </p:par>
+                  <p:par>
+                    <p:cTn id="7" fill="hold">
+                      <p:stCondLst>
+                        <p:cond delay="indefinite"/>
+                      </p:stCondLst>
+                      <p:childTnLst>
+                        <p:par>
+                          <p:cTn id="8" fill="hold">
+                            <p:stCondLst>
+                              <p:cond delay="0"/>
+                            </p:stCondLst>
+                            <p:childTnLst>
+                              <p:par>
+                                <p:cTn id="9" presetID="1" presetClass="entr" presetSubtype="0" fill="hold" nodeType="clickEffect">
+                                  <p:stCondLst>
+                                    <p:cond delay="0"/>
+                                  </p:stCondLst>
+                                  <p:childTnLst>
+                                    <p:set>
+                                      <p:cBhvr>
+                                        <p:cTn id="10" dur="1" fill="hold">
+                                          <p:stCondLst>
+                                            <p:cond delay="0"/>
+                                          </p:stCondLst>
+                                        </p:cTn>
+                                        <p:tgtEl>
+                                          <p:spTgt spid="5">
+                                            <p:txEl>
+                                              <p:pRg st="1" end="1"/>
+                                            </p:txEl>
+                                          </p:spTgt>
+                                        </p:tgtEl>
+                                        <p:attrNameLst>
+                                          <p:attrName>style.visibility</p:attrName>
+                                        </p:attrNameLst>
+                                      </p:cBhvr>
+                                      <p:to>
+                                        <p:strVal val="visible"/>
+                                      </p:to>
+                                    </p:set>
+                                  </p:childTnLst>
+                                </p:cTn>
+                              </p:par>
+                            </p:childTnLst>
+                          </p:cTn>
+                        </p:par>
+                      </p:childTnLst>
+                    </p:cTn>
+                  </p:par>
+                  <p:par>
+                    <p:cTn id="11" fill="hold">
+                      <p:stCondLst>
+                        <p:cond delay="indefinite"/>
+                      </p:stCondLst>
+                      <p:childTnLst>
+                        <p:par>
+                          <p:cTn id="12" fill="hold">
+                            <p:stCondLst>
+                              <p:cond delay="0"/>
+                            </p:stCondLst>
+                            <p:childTnLst>
+                              <p:par>
+                                <p:cTn id="13" presetID="1" presetClass="entr" presetSubtype="0" fill="hold" nodeType="clickEffect">
+                                  <p:stCondLst>
+                                    <p:cond delay="0"/>
+                                  </p:stCondLst>
+                                  <p:childTnLst>
+                                    <p:set>
+                                      <p:cBhvr>
+                                        <p:cTn id="14" dur="1" fill="hold">
+                                          <p:stCondLst>
+                                            <p:cond delay="0"/>
+                                          </p:stCondLst>
+                                        </p:cTn>
+                                        <p:tgtEl>
+                                          <p:spTgt spid="5">
+                                            <p:txEl>
+                                              <p:pRg st="2" end="2"/>
+                                            </p:txEl>
+                                          </p:spTgt>
+                                        </p:tgtEl>
+                                        <p:attrNameLst>
+                                          <p:attrName>style.visibility</p:attrName>
+                                        </p:attrNameLst>
+                                      </p:cBhvr>
+                                      <p:to>
+                                        <p:strVal val="visible"/>
+                                      </p:to>
+                                    </p:set>
+                                  </p:childTnLst>
+                                </p:cTn>
+                              </p:par>
+                            </p:childTnLst>
+                          </p:cTn>
+                        </p:par>
+                      </p:childTnLst>
+                    </p:cTn>
+                  </p:par>
+                  <p:par>
+                    <p:cTn id="15" fill="hold">
+                      <p:stCondLst>
+                        <p:cond delay="indefinite"/>
+                      </p:stCondLst>
+                      <p:childTnLst>
+                        <p:par>
+                          <p:cTn id="16" fill="hold">
+                            <p:stCondLst>
+                              <p:cond delay="0"/>
+                            </p:stCondLst>
+                            <p:childTnLst>
+                              <p:par>
+                                <p:cTn id="17" presetID="1" presetClass="entr" presetSubtype="0" fill="hold" nodeType="clickEffect">
+                                  <p:stCondLst>
+                                    <p:cond delay="0"/>
+                                  </p:stCondLst>
+                                  <p:childTnLst>
+                                    <p:set>
+                                      <p:cBhvr>
+                                        <p:cTn id="18" dur="1" fill="hold">
+                                          <p:stCondLst>
+                                            <p:cond delay="0"/>
+                                          </p:stCondLst>
+                                        </p:cTn>
+                                        <p:tgtEl>
+                                          <p:spTgt spid="5">
+                                            <p:txEl>
+                                              <p:pRg st="3" end="3"/>
+                                            </p:txEl>
+                                          </p:spTgt>
+                                        </p:tgtEl>
+                                        <p:attrNameLst>
+                                          <p:attrName>style.visibility</p:attrName>
+                                        </p:attrNameLst>
+                                      </p:cBhvr>
+                                      <p:to>
+                                        <p:strVal val="visible"/>
+                                      </p:to>
+                                    </p:set>
+                                  </p:childTnLst>
+                                </p:cTn>
+                              </p:par>
+                            </p:childTnLst>
+                          </p:cTn>
+                        </p:par>
+                      </p:childTnLst>
+                    </p:cTn>
+                  </p:par>
+                </p:childTnLst>
+              </p:cTn>
+              <p:prevCondLst>
+                <p:cond evt="onPrev" delay="0">
+                  <p:tgtEl>
+                    <p:sldTgt/>
+                  </p:tgtEl>
+                </p:cond>
+              </p:prevCondLst>
+              <p:nextCondLst>
+                <p:cond evt="onNext" delay="0">
+                  <p:tgtEl>
+                    <p:sldTgt/>
+                  </p:tgtEl>
+                </p:cond>
+              </p:nextCondLst>
+            </p:seq>
+          </p:childTnLst>
+        </p:cTn>
+      </p:par>
+    </p:tnLst>
+  </p:timing>
 </p:sld>
 </file>
 
@@ -4827,7 +5344,10 @@
           <a:bodyPr/>
           <a:lstStyle/>
           <a:p>
-            <a:endParaRPr lang="de-DE"/>
+            <a:r>
+              <a:rPr lang="de-DE" sz="4000"/>
+              <a:t>Introduction</a:t>
+            </a:r>
           </a:p>
         </p:txBody>
       </p:sp>
@@ -4911,36 +5431,80 @@
           <a:lstStyle/>
           <a:p>
             <a:r>
-              <a:rPr lang="de-DE" sz="2800"/>
-              <a:t>Motivation: We are all in need of holidays. But realistically we should be planning for a domestic holiday. </a:t>
-            </a:r>
-            <a:r>
               <a:rPr lang="de-DE" sz="2800">
                 <a:sym typeface="Wingdings" panose="05000000000000000000" pitchFamily="2" charset="2"/>
               </a:rPr>
-              <a:t> </a:t>
-            </a:r>
+              <a:t>Goals:</a:t>
+            </a:r>
+          </a:p>
+          <a:p>
+            <a:pPr lvl="1"/>
+            <a:r>
+              <a:rPr lang="de-DE" sz="2600">
+                <a:sym typeface="Wingdings" panose="05000000000000000000" pitchFamily="2" charset="2"/>
+              </a:rPr>
+              <a:t>How can we find ourselves the best holiday apartment?</a:t>
+            </a:r>
+          </a:p>
+          <a:p>
+            <a:pPr lvl="1"/>
+            <a:r>
+              <a:rPr lang="de-DE" sz="2600">
+                <a:sym typeface="Wingdings" panose="05000000000000000000" pitchFamily="2" charset="2"/>
+              </a:rPr>
+              <a:t>Open data and open source software</a:t>
+            </a:r>
+          </a:p>
+          <a:p>
+            <a:pPr lvl="1"/>
+            <a:r>
+              <a:rPr lang="de-DE" sz="2600">
+                <a:sym typeface="Wingdings" panose="05000000000000000000" pitchFamily="2" charset="2"/>
+              </a:rPr>
+              <a:t>Creative combination of existing data and technologies</a:t>
+            </a:r>
+          </a:p>
+          <a:p>
+            <a:pPr lvl="1"/>
+            <a:r>
+              <a:rPr lang="de-DE" sz="2600">
+                <a:sym typeface="Wingdings" panose="05000000000000000000" pitchFamily="2" charset="2"/>
+              </a:rPr>
+              <a:t>Extending the aproach to further use cases</a:t>
+            </a:r>
+          </a:p>
+          <a:p>
             <a:r>
               <a:rPr lang="de-DE" sz="2800"/>
-              <a:t>Picking „best“ holiday apartment in Berlin</a:t>
-            </a:r>
-          </a:p>
-          <a:p>
-            <a:r>
-              <a:rPr lang="de-DE" sz="2800"/>
-              <a:t>Hedonic Pricing Model: Internal and external factors affecting an item‘s price in the market</a:t>
-            </a:r>
-          </a:p>
-          <a:p>
-            <a:r>
-              <a:rPr lang="de-DE" sz="2800"/>
-              <a:t>Relevancy for Seller, Buyer, Public: location, characteristics of the object, characteristics of the public infrastructure, price? Demonstrate how fundamental statistcal methods can be used to extract knowledge and make wiser decisions.</a:t>
-            </a:r>
-          </a:p>
-          <a:p>
-            <a:r>
-              <a:rPr lang="de-DE" sz="2800"/>
-              <a:t>Wealth Open Data</a:t>
+              <a:t>Agenda:</a:t>
+            </a:r>
+          </a:p>
+          <a:p>
+            <a:pPr lvl="1"/>
+            <a:r>
+              <a:rPr lang="de-DE" sz="2600"/>
+              <a:t>Question</a:t>
+            </a:r>
+          </a:p>
+          <a:p>
+            <a:pPr lvl="1"/>
+            <a:r>
+              <a:rPr lang="de-DE" sz="2600"/>
+              <a:t>Data</a:t>
+            </a:r>
+          </a:p>
+          <a:p>
+            <a:pPr lvl="1"/>
+            <a:r>
+              <a:rPr lang="de-DE" sz="2600"/>
+              <a:t>Statistical analysis</a:t>
+            </a:r>
+          </a:p>
+          <a:p>
+            <a:pPr lvl="1"/>
+            <a:r>
+              <a:rPr lang="de-DE" sz="2600"/>
+              <a:t>Demo application</a:t>
             </a:r>
           </a:p>
           <a:p>
@@ -4958,6 +5522,526 @@
   <p:clrMapOvr>
     <a:masterClrMapping/>
   </p:clrMapOvr>
+  <p:timing>
+    <p:tnLst>
+      <p:par>
+        <p:cTn id="1" dur="indefinite" restart="never" nodeType="tmRoot">
+          <p:childTnLst>
+            <p:seq concurrent="1" nextAc="seek">
+              <p:cTn id="2" dur="indefinite" nodeType="mainSeq">
+                <p:childTnLst>
+                  <p:par>
+                    <p:cTn id="3" fill="hold">
+                      <p:stCondLst>
+                        <p:cond delay="indefinite"/>
+                      </p:stCondLst>
+                      <p:childTnLst>
+                        <p:par>
+                          <p:cTn id="4" fill="hold">
+                            <p:stCondLst>
+                              <p:cond delay="0"/>
+                            </p:stCondLst>
+                            <p:childTnLst>
+                              <p:par>
+                                <p:cTn id="5" presetID="1" presetClass="entr" presetSubtype="0" fill="hold" nodeType="clickEffect">
+                                  <p:stCondLst>
+                                    <p:cond delay="0"/>
+                                  </p:stCondLst>
+                                  <p:childTnLst>
+                                    <p:set>
+                                      <p:cBhvr>
+                                        <p:cTn id="6" dur="1" fill="hold">
+                                          <p:stCondLst>
+                                            <p:cond delay="0"/>
+                                          </p:stCondLst>
+                                        </p:cTn>
+                                        <p:tgtEl>
+                                          <p:spTgt spid="5">
+                                            <p:txEl>
+                                              <p:pRg st="0" end="0"/>
+                                            </p:txEl>
+                                          </p:spTgt>
+                                        </p:tgtEl>
+                                        <p:attrNameLst>
+                                          <p:attrName>style.visibility</p:attrName>
+                                        </p:attrNameLst>
+                                      </p:cBhvr>
+                                      <p:to>
+                                        <p:strVal val="visible"/>
+                                      </p:to>
+                                    </p:set>
+                                  </p:childTnLst>
+                                </p:cTn>
+                              </p:par>
+                            </p:childTnLst>
+                          </p:cTn>
+                        </p:par>
+                      </p:childTnLst>
+                    </p:cTn>
+                  </p:par>
+                  <p:par>
+                    <p:cTn id="7" fill="hold">
+                      <p:stCondLst>
+                        <p:cond delay="indefinite"/>
+                      </p:stCondLst>
+                      <p:childTnLst>
+                        <p:par>
+                          <p:cTn id="8" fill="hold">
+                            <p:stCondLst>
+                              <p:cond delay="0"/>
+                            </p:stCondLst>
+                            <p:childTnLst>
+                              <p:par>
+                                <p:cTn id="9" presetID="1" presetClass="entr" presetSubtype="0" fill="hold" nodeType="clickEffect">
+                                  <p:stCondLst>
+                                    <p:cond delay="0"/>
+                                  </p:stCondLst>
+                                  <p:childTnLst>
+                                    <p:set>
+                                      <p:cBhvr>
+                                        <p:cTn id="10" dur="1" fill="hold">
+                                          <p:stCondLst>
+                                            <p:cond delay="0"/>
+                                          </p:stCondLst>
+                                        </p:cTn>
+                                        <p:tgtEl>
+                                          <p:spTgt spid="5">
+                                            <p:txEl>
+                                              <p:pRg st="1" end="1"/>
+                                            </p:txEl>
+                                          </p:spTgt>
+                                        </p:tgtEl>
+                                        <p:attrNameLst>
+                                          <p:attrName>style.visibility</p:attrName>
+                                        </p:attrNameLst>
+                                      </p:cBhvr>
+                                      <p:to>
+                                        <p:strVal val="visible"/>
+                                      </p:to>
+                                    </p:set>
+                                  </p:childTnLst>
+                                </p:cTn>
+                              </p:par>
+                            </p:childTnLst>
+                          </p:cTn>
+                        </p:par>
+                      </p:childTnLst>
+                    </p:cTn>
+                  </p:par>
+                  <p:par>
+                    <p:cTn id="11" fill="hold">
+                      <p:stCondLst>
+                        <p:cond delay="indefinite"/>
+                      </p:stCondLst>
+                      <p:childTnLst>
+                        <p:par>
+                          <p:cTn id="12" fill="hold">
+                            <p:stCondLst>
+                              <p:cond delay="0"/>
+                            </p:stCondLst>
+                            <p:childTnLst>
+                              <p:par>
+                                <p:cTn id="13" presetID="1" presetClass="entr" presetSubtype="0" fill="hold" nodeType="clickEffect">
+                                  <p:stCondLst>
+                                    <p:cond delay="0"/>
+                                  </p:stCondLst>
+                                  <p:childTnLst>
+                                    <p:set>
+                                      <p:cBhvr>
+                                        <p:cTn id="14" dur="1" fill="hold">
+                                          <p:stCondLst>
+                                            <p:cond delay="0"/>
+                                          </p:stCondLst>
+                                        </p:cTn>
+                                        <p:tgtEl>
+                                          <p:spTgt spid="5">
+                                            <p:txEl>
+                                              <p:pRg st="2" end="2"/>
+                                            </p:txEl>
+                                          </p:spTgt>
+                                        </p:tgtEl>
+                                        <p:attrNameLst>
+                                          <p:attrName>style.visibility</p:attrName>
+                                        </p:attrNameLst>
+                                      </p:cBhvr>
+                                      <p:to>
+                                        <p:strVal val="visible"/>
+                                      </p:to>
+                                    </p:set>
+                                  </p:childTnLst>
+                                </p:cTn>
+                              </p:par>
+                            </p:childTnLst>
+                          </p:cTn>
+                        </p:par>
+                      </p:childTnLst>
+                    </p:cTn>
+                  </p:par>
+                  <p:par>
+                    <p:cTn id="15" fill="hold">
+                      <p:stCondLst>
+                        <p:cond delay="indefinite"/>
+                      </p:stCondLst>
+                      <p:childTnLst>
+                        <p:par>
+                          <p:cTn id="16" fill="hold">
+                            <p:stCondLst>
+                              <p:cond delay="0"/>
+                            </p:stCondLst>
+                            <p:childTnLst>
+                              <p:par>
+                                <p:cTn id="17" presetID="1" presetClass="entr" presetSubtype="0" fill="hold" nodeType="clickEffect">
+                                  <p:stCondLst>
+                                    <p:cond delay="0"/>
+                                  </p:stCondLst>
+                                  <p:childTnLst>
+                                    <p:set>
+                                      <p:cBhvr>
+                                        <p:cTn id="18" dur="1" fill="hold">
+                                          <p:stCondLst>
+                                            <p:cond delay="0"/>
+                                          </p:stCondLst>
+                                        </p:cTn>
+                                        <p:tgtEl>
+                                          <p:spTgt spid="5">
+                                            <p:txEl>
+                                              <p:pRg st="3" end="3"/>
+                                            </p:txEl>
+                                          </p:spTgt>
+                                        </p:tgtEl>
+                                        <p:attrNameLst>
+                                          <p:attrName>style.visibility</p:attrName>
+                                        </p:attrNameLst>
+                                      </p:cBhvr>
+                                      <p:to>
+                                        <p:strVal val="visible"/>
+                                      </p:to>
+                                    </p:set>
+                                  </p:childTnLst>
+                                </p:cTn>
+                              </p:par>
+                            </p:childTnLst>
+                          </p:cTn>
+                        </p:par>
+                      </p:childTnLst>
+                    </p:cTn>
+                  </p:par>
+                  <p:par>
+                    <p:cTn id="19" fill="hold">
+                      <p:stCondLst>
+                        <p:cond delay="indefinite"/>
+                      </p:stCondLst>
+                      <p:childTnLst>
+                        <p:par>
+                          <p:cTn id="20" fill="hold">
+                            <p:stCondLst>
+                              <p:cond delay="0"/>
+                            </p:stCondLst>
+                            <p:childTnLst>
+                              <p:par>
+                                <p:cTn id="21" presetID="1" presetClass="entr" presetSubtype="0" fill="hold" nodeType="clickEffect">
+                                  <p:stCondLst>
+                                    <p:cond delay="0"/>
+                                  </p:stCondLst>
+                                  <p:childTnLst>
+                                    <p:set>
+                                      <p:cBhvr>
+                                        <p:cTn id="22" dur="1" fill="hold">
+                                          <p:stCondLst>
+                                            <p:cond delay="0"/>
+                                          </p:stCondLst>
+                                        </p:cTn>
+                                        <p:tgtEl>
+                                          <p:spTgt spid="5">
+                                            <p:txEl>
+                                              <p:pRg st="4" end="4"/>
+                                            </p:txEl>
+                                          </p:spTgt>
+                                        </p:tgtEl>
+                                        <p:attrNameLst>
+                                          <p:attrName>style.visibility</p:attrName>
+                                        </p:attrNameLst>
+                                      </p:cBhvr>
+                                      <p:to>
+                                        <p:strVal val="visible"/>
+                                      </p:to>
+                                    </p:set>
+                                  </p:childTnLst>
+                                </p:cTn>
+                              </p:par>
+                            </p:childTnLst>
+                          </p:cTn>
+                        </p:par>
+                      </p:childTnLst>
+                    </p:cTn>
+                  </p:par>
+                  <p:par>
+                    <p:cTn id="23" fill="hold">
+                      <p:stCondLst>
+                        <p:cond delay="indefinite"/>
+                      </p:stCondLst>
+                      <p:childTnLst>
+                        <p:par>
+                          <p:cTn id="24" fill="hold">
+                            <p:stCondLst>
+                              <p:cond delay="0"/>
+                            </p:stCondLst>
+                            <p:childTnLst>
+                              <p:par>
+                                <p:cTn id="25" presetID="1" presetClass="entr" presetSubtype="0" fill="hold" nodeType="clickEffect">
+                                  <p:stCondLst>
+                                    <p:cond delay="0"/>
+                                  </p:stCondLst>
+                                  <p:childTnLst>
+                                    <p:set>
+                                      <p:cBhvr>
+                                        <p:cTn id="26" dur="1" fill="hold">
+                                          <p:stCondLst>
+                                            <p:cond delay="0"/>
+                                          </p:stCondLst>
+                                        </p:cTn>
+                                        <p:tgtEl>
+                                          <p:spTgt spid="5">
+                                            <p:txEl>
+                                              <p:pRg st="5" end="5"/>
+                                            </p:txEl>
+                                          </p:spTgt>
+                                        </p:tgtEl>
+                                        <p:attrNameLst>
+                                          <p:attrName>style.visibility</p:attrName>
+                                        </p:attrNameLst>
+                                      </p:cBhvr>
+                                      <p:to>
+                                        <p:strVal val="visible"/>
+                                      </p:to>
+                                    </p:set>
+                                  </p:childTnLst>
+                                </p:cTn>
+                              </p:par>
+                            </p:childTnLst>
+                          </p:cTn>
+                        </p:par>
+                      </p:childTnLst>
+                    </p:cTn>
+                  </p:par>
+                  <p:par>
+                    <p:cTn id="27" fill="hold">
+                      <p:stCondLst>
+                        <p:cond delay="indefinite"/>
+                      </p:stCondLst>
+                      <p:childTnLst>
+                        <p:par>
+                          <p:cTn id="28" fill="hold">
+                            <p:stCondLst>
+                              <p:cond delay="0"/>
+                            </p:stCondLst>
+                            <p:childTnLst>
+                              <p:par>
+                                <p:cTn id="29" presetID="1" presetClass="entr" presetSubtype="0" fill="hold" nodeType="clickEffect">
+                                  <p:stCondLst>
+                                    <p:cond delay="0"/>
+                                  </p:stCondLst>
+                                  <p:childTnLst>
+                                    <p:set>
+                                      <p:cBhvr>
+                                        <p:cTn id="30" dur="1" fill="hold">
+                                          <p:stCondLst>
+                                            <p:cond delay="0"/>
+                                          </p:stCondLst>
+                                        </p:cTn>
+                                        <p:tgtEl>
+                                          <p:spTgt spid="5">
+                                            <p:txEl>
+                                              <p:pRg st="6" end="6"/>
+                                            </p:txEl>
+                                          </p:spTgt>
+                                        </p:tgtEl>
+                                        <p:attrNameLst>
+                                          <p:attrName>style.visibility</p:attrName>
+                                        </p:attrNameLst>
+                                      </p:cBhvr>
+                                      <p:to>
+                                        <p:strVal val="visible"/>
+                                      </p:to>
+                                    </p:set>
+                                  </p:childTnLst>
+                                </p:cTn>
+                              </p:par>
+                            </p:childTnLst>
+                          </p:cTn>
+                        </p:par>
+                      </p:childTnLst>
+                    </p:cTn>
+                  </p:par>
+                  <p:par>
+                    <p:cTn id="31" fill="hold">
+                      <p:stCondLst>
+                        <p:cond delay="indefinite"/>
+                      </p:stCondLst>
+                      <p:childTnLst>
+                        <p:par>
+                          <p:cTn id="32" fill="hold">
+                            <p:stCondLst>
+                              <p:cond delay="0"/>
+                            </p:stCondLst>
+                            <p:childTnLst>
+                              <p:par>
+                                <p:cTn id="33" presetID="1" presetClass="entr" presetSubtype="0" fill="hold" nodeType="clickEffect">
+                                  <p:stCondLst>
+                                    <p:cond delay="0"/>
+                                  </p:stCondLst>
+                                  <p:childTnLst>
+                                    <p:set>
+                                      <p:cBhvr>
+                                        <p:cTn id="34" dur="1" fill="hold">
+                                          <p:stCondLst>
+                                            <p:cond delay="0"/>
+                                          </p:stCondLst>
+                                        </p:cTn>
+                                        <p:tgtEl>
+                                          <p:spTgt spid="5">
+                                            <p:txEl>
+                                              <p:pRg st="7" end="7"/>
+                                            </p:txEl>
+                                          </p:spTgt>
+                                        </p:tgtEl>
+                                        <p:attrNameLst>
+                                          <p:attrName>style.visibility</p:attrName>
+                                        </p:attrNameLst>
+                                      </p:cBhvr>
+                                      <p:to>
+                                        <p:strVal val="visible"/>
+                                      </p:to>
+                                    </p:set>
+                                  </p:childTnLst>
+                                </p:cTn>
+                              </p:par>
+                            </p:childTnLst>
+                          </p:cTn>
+                        </p:par>
+                      </p:childTnLst>
+                    </p:cTn>
+                  </p:par>
+                  <p:par>
+                    <p:cTn id="35" fill="hold">
+                      <p:stCondLst>
+                        <p:cond delay="indefinite"/>
+                      </p:stCondLst>
+                      <p:childTnLst>
+                        <p:par>
+                          <p:cTn id="36" fill="hold">
+                            <p:stCondLst>
+                              <p:cond delay="0"/>
+                            </p:stCondLst>
+                            <p:childTnLst>
+                              <p:par>
+                                <p:cTn id="37" presetID="1" presetClass="entr" presetSubtype="0" fill="hold" nodeType="clickEffect">
+                                  <p:stCondLst>
+                                    <p:cond delay="0"/>
+                                  </p:stCondLst>
+                                  <p:childTnLst>
+                                    <p:set>
+                                      <p:cBhvr>
+                                        <p:cTn id="38" dur="1" fill="hold">
+                                          <p:stCondLst>
+                                            <p:cond delay="0"/>
+                                          </p:stCondLst>
+                                        </p:cTn>
+                                        <p:tgtEl>
+                                          <p:spTgt spid="5">
+                                            <p:txEl>
+                                              <p:pRg st="8" end="8"/>
+                                            </p:txEl>
+                                          </p:spTgt>
+                                        </p:tgtEl>
+                                        <p:attrNameLst>
+                                          <p:attrName>style.visibility</p:attrName>
+                                        </p:attrNameLst>
+                                      </p:cBhvr>
+                                      <p:to>
+                                        <p:strVal val="visible"/>
+                                      </p:to>
+                                    </p:set>
+                                  </p:childTnLst>
+                                </p:cTn>
+                              </p:par>
+                            </p:childTnLst>
+                          </p:cTn>
+                        </p:par>
+                      </p:childTnLst>
+                    </p:cTn>
+                  </p:par>
+                  <p:par>
+                    <p:cTn id="39" fill="hold">
+                      <p:stCondLst>
+                        <p:cond delay="indefinite"/>
+                      </p:stCondLst>
+                      <p:childTnLst>
+                        <p:par>
+                          <p:cTn id="40" fill="hold">
+                            <p:stCondLst>
+                              <p:cond delay="0"/>
+                            </p:stCondLst>
+                            <p:childTnLst>
+                              <p:par>
+                                <p:cTn id="41" presetID="1" presetClass="entr" presetSubtype="0" fill="hold" nodeType="clickEffect">
+                                  <p:stCondLst>
+                                    <p:cond delay="0"/>
+                                  </p:stCondLst>
+                                  <p:childTnLst>
+                                    <p:set>
+                                      <p:cBhvr>
+                                        <p:cTn id="42" dur="1" fill="hold">
+                                          <p:stCondLst>
+                                            <p:cond delay="0"/>
+                                          </p:stCondLst>
+                                        </p:cTn>
+                                        <p:tgtEl>
+                                          <p:spTgt spid="5">
+                                            <p:txEl>
+                                              <p:pRg st="9" end="9"/>
+                                            </p:txEl>
+                                          </p:spTgt>
+                                        </p:tgtEl>
+                                        <p:attrNameLst>
+                                          <p:attrName>style.visibility</p:attrName>
+                                        </p:attrNameLst>
+                                      </p:cBhvr>
+                                      <p:to>
+                                        <p:strVal val="visible"/>
+                                      </p:to>
+                                    </p:set>
+                                  </p:childTnLst>
+                                </p:cTn>
+                              </p:par>
+                            </p:childTnLst>
+                          </p:cTn>
+                        </p:par>
+                      </p:childTnLst>
+                    </p:cTn>
+                  </p:par>
+                </p:childTnLst>
+              </p:cTn>
+              <p:prevCondLst>
+                <p:cond evt="onPrev" delay="0">
+                  <p:tgtEl>
+                    <p:sldTgt/>
+                  </p:tgtEl>
+                </p:cond>
+              </p:prevCondLst>
+              <p:nextCondLst>
+                <p:cond evt="onNext" delay="0">
+                  <p:tgtEl>
+                    <p:sldTgt/>
+                  </p:tgtEl>
+                </p:cond>
+              </p:nextCondLst>
+            </p:seq>
+          </p:childTnLst>
+        </p:cTn>
+      </p:par>
+    </p:tnLst>
+  </p:timing>
 </p:sld>
 </file>
 
@@ -6325,7 +7409,7 @@
             </a:pPr>
             <a:r>
               <a:rPr lang="de-DE" sz="2600"/>
-              <a:t>Design, architecture, old building</a:t>
+              <a:t>Interior design</a:t>
             </a:r>
           </a:p>
           <a:p>
@@ -6334,7 +7418,7 @@
             </a:pPr>
             <a:r>
               <a:rPr lang="de-DE" sz="2600"/>
-              <a:t>Communication and service</a:t>
+              <a:t>Service</a:t>
             </a:r>
           </a:p>
         </p:txBody>
@@ -6568,7 +7652,7 @@
             </a:pPr>
             <a:r>
               <a:rPr lang="de-DE" sz="2600"/>
-              <a:t>Distance to touristic attractions, spots for recreational activities, shops, restaurants and  cafés</a:t>
+              <a:t>Distance to touristic attractions, shops and restaurants</a:t>
             </a:r>
           </a:p>
           <a:p>
@@ -6601,6 +7685,526 @@
   <p:clrMapOvr>
     <a:masterClrMapping/>
   </p:clrMapOvr>
+  <p:timing>
+    <p:tnLst>
+      <p:par>
+        <p:cTn id="1" dur="indefinite" restart="never" nodeType="tmRoot">
+          <p:childTnLst>
+            <p:seq concurrent="1" nextAc="seek">
+              <p:cTn id="2" dur="indefinite" nodeType="mainSeq">
+                <p:childTnLst>
+                  <p:par>
+                    <p:cTn id="3" fill="hold">
+                      <p:stCondLst>
+                        <p:cond delay="indefinite"/>
+                      </p:stCondLst>
+                      <p:childTnLst>
+                        <p:par>
+                          <p:cTn id="4" fill="hold">
+                            <p:stCondLst>
+                              <p:cond delay="0"/>
+                            </p:stCondLst>
+                            <p:childTnLst>
+                              <p:par>
+                                <p:cTn id="5" presetID="1" presetClass="entr" presetSubtype="0" fill="hold" nodeType="clickEffect">
+                                  <p:stCondLst>
+                                    <p:cond delay="0"/>
+                                  </p:stCondLst>
+                                  <p:childTnLst>
+                                    <p:set>
+                                      <p:cBhvr>
+                                        <p:cTn id="6" dur="1" fill="hold">
+                                          <p:stCondLst>
+                                            <p:cond delay="0"/>
+                                          </p:stCondLst>
+                                        </p:cTn>
+                                        <p:tgtEl>
+                                          <p:spTgt spid="5">
+                                            <p:txEl>
+                                              <p:pRg st="0" end="0"/>
+                                            </p:txEl>
+                                          </p:spTgt>
+                                        </p:tgtEl>
+                                        <p:attrNameLst>
+                                          <p:attrName>style.visibility</p:attrName>
+                                        </p:attrNameLst>
+                                      </p:cBhvr>
+                                      <p:to>
+                                        <p:strVal val="visible"/>
+                                      </p:to>
+                                    </p:set>
+                                  </p:childTnLst>
+                                </p:cTn>
+                              </p:par>
+                            </p:childTnLst>
+                          </p:cTn>
+                        </p:par>
+                      </p:childTnLst>
+                    </p:cTn>
+                  </p:par>
+                  <p:par>
+                    <p:cTn id="7" fill="hold">
+                      <p:stCondLst>
+                        <p:cond delay="indefinite"/>
+                      </p:stCondLst>
+                      <p:childTnLst>
+                        <p:par>
+                          <p:cTn id="8" fill="hold">
+                            <p:stCondLst>
+                              <p:cond delay="0"/>
+                            </p:stCondLst>
+                            <p:childTnLst>
+                              <p:par>
+                                <p:cTn id="9" presetID="1" presetClass="entr" presetSubtype="0" fill="hold" nodeType="clickEffect">
+                                  <p:stCondLst>
+                                    <p:cond delay="0"/>
+                                  </p:stCondLst>
+                                  <p:childTnLst>
+                                    <p:set>
+                                      <p:cBhvr>
+                                        <p:cTn id="10" dur="1" fill="hold">
+                                          <p:stCondLst>
+                                            <p:cond delay="0"/>
+                                          </p:stCondLst>
+                                        </p:cTn>
+                                        <p:tgtEl>
+                                          <p:spTgt spid="6">
+                                            <p:txEl>
+                                              <p:pRg st="0" end="0"/>
+                                            </p:txEl>
+                                          </p:spTgt>
+                                        </p:tgtEl>
+                                        <p:attrNameLst>
+                                          <p:attrName>style.visibility</p:attrName>
+                                        </p:attrNameLst>
+                                      </p:cBhvr>
+                                      <p:to>
+                                        <p:strVal val="visible"/>
+                                      </p:to>
+                                    </p:set>
+                                  </p:childTnLst>
+                                </p:cTn>
+                              </p:par>
+                            </p:childTnLst>
+                          </p:cTn>
+                        </p:par>
+                      </p:childTnLst>
+                    </p:cTn>
+                  </p:par>
+                  <p:par>
+                    <p:cTn id="11" fill="hold">
+                      <p:stCondLst>
+                        <p:cond delay="indefinite"/>
+                      </p:stCondLst>
+                      <p:childTnLst>
+                        <p:par>
+                          <p:cTn id="12" fill="hold">
+                            <p:stCondLst>
+                              <p:cond delay="0"/>
+                            </p:stCondLst>
+                            <p:childTnLst>
+                              <p:par>
+                                <p:cTn id="13" presetID="1" presetClass="entr" presetSubtype="0" fill="hold" nodeType="clickEffect">
+                                  <p:stCondLst>
+                                    <p:cond delay="0"/>
+                                  </p:stCondLst>
+                                  <p:childTnLst>
+                                    <p:set>
+                                      <p:cBhvr>
+                                        <p:cTn id="14" dur="1" fill="hold">
+                                          <p:stCondLst>
+                                            <p:cond delay="0"/>
+                                          </p:stCondLst>
+                                        </p:cTn>
+                                        <p:tgtEl>
+                                          <p:spTgt spid="6">
+                                            <p:txEl>
+                                              <p:pRg st="1" end="1"/>
+                                            </p:txEl>
+                                          </p:spTgt>
+                                        </p:tgtEl>
+                                        <p:attrNameLst>
+                                          <p:attrName>style.visibility</p:attrName>
+                                        </p:attrNameLst>
+                                      </p:cBhvr>
+                                      <p:to>
+                                        <p:strVal val="visible"/>
+                                      </p:to>
+                                    </p:set>
+                                  </p:childTnLst>
+                                </p:cTn>
+                              </p:par>
+                            </p:childTnLst>
+                          </p:cTn>
+                        </p:par>
+                      </p:childTnLst>
+                    </p:cTn>
+                  </p:par>
+                  <p:par>
+                    <p:cTn id="15" fill="hold">
+                      <p:stCondLst>
+                        <p:cond delay="indefinite"/>
+                      </p:stCondLst>
+                      <p:childTnLst>
+                        <p:par>
+                          <p:cTn id="16" fill="hold">
+                            <p:stCondLst>
+                              <p:cond delay="0"/>
+                            </p:stCondLst>
+                            <p:childTnLst>
+                              <p:par>
+                                <p:cTn id="17" presetID="1" presetClass="entr" presetSubtype="0" fill="hold" nodeType="clickEffect">
+                                  <p:stCondLst>
+                                    <p:cond delay="0"/>
+                                  </p:stCondLst>
+                                  <p:childTnLst>
+                                    <p:set>
+                                      <p:cBhvr>
+                                        <p:cTn id="18" dur="1" fill="hold">
+                                          <p:stCondLst>
+                                            <p:cond delay="0"/>
+                                          </p:stCondLst>
+                                        </p:cTn>
+                                        <p:tgtEl>
+                                          <p:spTgt spid="6">
+                                            <p:txEl>
+                                              <p:pRg st="2" end="2"/>
+                                            </p:txEl>
+                                          </p:spTgt>
+                                        </p:tgtEl>
+                                        <p:attrNameLst>
+                                          <p:attrName>style.visibility</p:attrName>
+                                        </p:attrNameLst>
+                                      </p:cBhvr>
+                                      <p:to>
+                                        <p:strVal val="visible"/>
+                                      </p:to>
+                                    </p:set>
+                                  </p:childTnLst>
+                                </p:cTn>
+                              </p:par>
+                            </p:childTnLst>
+                          </p:cTn>
+                        </p:par>
+                      </p:childTnLst>
+                    </p:cTn>
+                  </p:par>
+                  <p:par>
+                    <p:cTn id="19" fill="hold">
+                      <p:stCondLst>
+                        <p:cond delay="indefinite"/>
+                      </p:stCondLst>
+                      <p:childTnLst>
+                        <p:par>
+                          <p:cTn id="20" fill="hold">
+                            <p:stCondLst>
+                              <p:cond delay="0"/>
+                            </p:stCondLst>
+                            <p:childTnLst>
+                              <p:par>
+                                <p:cTn id="21" presetID="1" presetClass="entr" presetSubtype="0" fill="hold" nodeType="clickEffect">
+                                  <p:stCondLst>
+                                    <p:cond delay="0"/>
+                                  </p:stCondLst>
+                                  <p:childTnLst>
+                                    <p:set>
+                                      <p:cBhvr>
+                                        <p:cTn id="22" dur="1" fill="hold">
+                                          <p:stCondLst>
+                                            <p:cond delay="0"/>
+                                          </p:stCondLst>
+                                        </p:cTn>
+                                        <p:tgtEl>
+                                          <p:spTgt spid="6">
+                                            <p:txEl>
+                                              <p:pRg st="3" end="3"/>
+                                            </p:txEl>
+                                          </p:spTgt>
+                                        </p:tgtEl>
+                                        <p:attrNameLst>
+                                          <p:attrName>style.visibility</p:attrName>
+                                        </p:attrNameLst>
+                                      </p:cBhvr>
+                                      <p:to>
+                                        <p:strVal val="visible"/>
+                                      </p:to>
+                                    </p:set>
+                                  </p:childTnLst>
+                                </p:cTn>
+                              </p:par>
+                            </p:childTnLst>
+                          </p:cTn>
+                        </p:par>
+                      </p:childTnLst>
+                    </p:cTn>
+                  </p:par>
+                  <p:par>
+                    <p:cTn id="23" fill="hold">
+                      <p:stCondLst>
+                        <p:cond delay="indefinite"/>
+                      </p:stCondLst>
+                      <p:childTnLst>
+                        <p:par>
+                          <p:cTn id="24" fill="hold">
+                            <p:stCondLst>
+                              <p:cond delay="0"/>
+                            </p:stCondLst>
+                            <p:childTnLst>
+                              <p:par>
+                                <p:cTn id="25" presetID="1" presetClass="entr" presetSubtype="0" fill="hold" nodeType="clickEffect">
+                                  <p:stCondLst>
+                                    <p:cond delay="0"/>
+                                  </p:stCondLst>
+                                  <p:childTnLst>
+                                    <p:set>
+                                      <p:cBhvr>
+                                        <p:cTn id="26" dur="1" fill="hold">
+                                          <p:stCondLst>
+                                            <p:cond delay="0"/>
+                                          </p:stCondLst>
+                                        </p:cTn>
+                                        <p:tgtEl>
+                                          <p:spTgt spid="6">
+                                            <p:txEl>
+                                              <p:pRg st="4" end="4"/>
+                                            </p:txEl>
+                                          </p:spTgt>
+                                        </p:tgtEl>
+                                        <p:attrNameLst>
+                                          <p:attrName>style.visibility</p:attrName>
+                                        </p:attrNameLst>
+                                      </p:cBhvr>
+                                      <p:to>
+                                        <p:strVal val="visible"/>
+                                      </p:to>
+                                    </p:set>
+                                  </p:childTnLst>
+                                </p:cTn>
+                              </p:par>
+                            </p:childTnLst>
+                          </p:cTn>
+                        </p:par>
+                      </p:childTnLst>
+                    </p:cTn>
+                  </p:par>
+                  <p:par>
+                    <p:cTn id="27" fill="hold">
+                      <p:stCondLst>
+                        <p:cond delay="indefinite"/>
+                      </p:stCondLst>
+                      <p:childTnLst>
+                        <p:par>
+                          <p:cTn id="28" fill="hold">
+                            <p:stCondLst>
+                              <p:cond delay="0"/>
+                            </p:stCondLst>
+                            <p:childTnLst>
+                              <p:par>
+                                <p:cTn id="29" presetID="1" presetClass="entr" presetSubtype="0" fill="hold" nodeType="clickEffect">
+                                  <p:stCondLst>
+                                    <p:cond delay="0"/>
+                                  </p:stCondLst>
+                                  <p:childTnLst>
+                                    <p:set>
+                                      <p:cBhvr>
+                                        <p:cTn id="30" dur="1" fill="hold">
+                                          <p:stCondLst>
+                                            <p:cond delay="0"/>
+                                          </p:stCondLst>
+                                        </p:cTn>
+                                        <p:tgtEl>
+                                          <p:spTgt spid="7">
+                                            <p:txEl>
+                                              <p:pRg st="0" end="0"/>
+                                            </p:txEl>
+                                          </p:spTgt>
+                                        </p:tgtEl>
+                                        <p:attrNameLst>
+                                          <p:attrName>style.visibility</p:attrName>
+                                        </p:attrNameLst>
+                                      </p:cBhvr>
+                                      <p:to>
+                                        <p:strVal val="visible"/>
+                                      </p:to>
+                                    </p:set>
+                                  </p:childTnLst>
+                                </p:cTn>
+                              </p:par>
+                            </p:childTnLst>
+                          </p:cTn>
+                        </p:par>
+                      </p:childTnLst>
+                    </p:cTn>
+                  </p:par>
+                  <p:par>
+                    <p:cTn id="31" fill="hold">
+                      <p:stCondLst>
+                        <p:cond delay="indefinite"/>
+                      </p:stCondLst>
+                      <p:childTnLst>
+                        <p:par>
+                          <p:cTn id="32" fill="hold">
+                            <p:stCondLst>
+                              <p:cond delay="0"/>
+                            </p:stCondLst>
+                            <p:childTnLst>
+                              <p:par>
+                                <p:cTn id="33" presetID="1" presetClass="entr" presetSubtype="0" fill="hold" nodeType="clickEffect">
+                                  <p:stCondLst>
+                                    <p:cond delay="0"/>
+                                  </p:stCondLst>
+                                  <p:childTnLst>
+                                    <p:set>
+                                      <p:cBhvr>
+                                        <p:cTn id="34" dur="1" fill="hold">
+                                          <p:stCondLst>
+                                            <p:cond delay="0"/>
+                                          </p:stCondLst>
+                                        </p:cTn>
+                                        <p:tgtEl>
+                                          <p:spTgt spid="7">
+                                            <p:txEl>
+                                              <p:pRg st="1" end="1"/>
+                                            </p:txEl>
+                                          </p:spTgt>
+                                        </p:tgtEl>
+                                        <p:attrNameLst>
+                                          <p:attrName>style.visibility</p:attrName>
+                                        </p:attrNameLst>
+                                      </p:cBhvr>
+                                      <p:to>
+                                        <p:strVal val="visible"/>
+                                      </p:to>
+                                    </p:set>
+                                  </p:childTnLst>
+                                </p:cTn>
+                              </p:par>
+                            </p:childTnLst>
+                          </p:cTn>
+                        </p:par>
+                      </p:childTnLst>
+                    </p:cTn>
+                  </p:par>
+                  <p:par>
+                    <p:cTn id="35" fill="hold">
+                      <p:stCondLst>
+                        <p:cond delay="indefinite"/>
+                      </p:stCondLst>
+                      <p:childTnLst>
+                        <p:par>
+                          <p:cTn id="36" fill="hold">
+                            <p:stCondLst>
+                              <p:cond delay="0"/>
+                            </p:stCondLst>
+                            <p:childTnLst>
+                              <p:par>
+                                <p:cTn id="37" presetID="1" presetClass="entr" presetSubtype="0" fill="hold" nodeType="clickEffect">
+                                  <p:stCondLst>
+                                    <p:cond delay="0"/>
+                                  </p:stCondLst>
+                                  <p:childTnLst>
+                                    <p:set>
+                                      <p:cBhvr>
+                                        <p:cTn id="38" dur="1" fill="hold">
+                                          <p:stCondLst>
+                                            <p:cond delay="0"/>
+                                          </p:stCondLst>
+                                        </p:cTn>
+                                        <p:tgtEl>
+                                          <p:spTgt spid="7">
+                                            <p:txEl>
+                                              <p:pRg st="2" end="2"/>
+                                            </p:txEl>
+                                          </p:spTgt>
+                                        </p:tgtEl>
+                                        <p:attrNameLst>
+                                          <p:attrName>style.visibility</p:attrName>
+                                        </p:attrNameLst>
+                                      </p:cBhvr>
+                                      <p:to>
+                                        <p:strVal val="visible"/>
+                                      </p:to>
+                                    </p:set>
+                                  </p:childTnLst>
+                                </p:cTn>
+                              </p:par>
+                            </p:childTnLst>
+                          </p:cTn>
+                        </p:par>
+                      </p:childTnLst>
+                    </p:cTn>
+                  </p:par>
+                  <p:par>
+                    <p:cTn id="39" fill="hold">
+                      <p:stCondLst>
+                        <p:cond delay="indefinite"/>
+                      </p:stCondLst>
+                      <p:childTnLst>
+                        <p:par>
+                          <p:cTn id="40" fill="hold">
+                            <p:stCondLst>
+                              <p:cond delay="0"/>
+                            </p:stCondLst>
+                            <p:childTnLst>
+                              <p:par>
+                                <p:cTn id="41" presetID="1" presetClass="entr" presetSubtype="0" fill="hold" nodeType="clickEffect">
+                                  <p:stCondLst>
+                                    <p:cond delay="0"/>
+                                  </p:stCondLst>
+                                  <p:childTnLst>
+                                    <p:set>
+                                      <p:cBhvr>
+                                        <p:cTn id="42" dur="1" fill="hold">
+                                          <p:stCondLst>
+                                            <p:cond delay="0"/>
+                                          </p:stCondLst>
+                                        </p:cTn>
+                                        <p:tgtEl>
+                                          <p:spTgt spid="7">
+                                            <p:txEl>
+                                              <p:pRg st="3" end="3"/>
+                                            </p:txEl>
+                                          </p:spTgt>
+                                        </p:tgtEl>
+                                        <p:attrNameLst>
+                                          <p:attrName>style.visibility</p:attrName>
+                                        </p:attrNameLst>
+                                      </p:cBhvr>
+                                      <p:to>
+                                        <p:strVal val="visible"/>
+                                      </p:to>
+                                    </p:set>
+                                  </p:childTnLst>
+                                </p:cTn>
+                              </p:par>
+                            </p:childTnLst>
+                          </p:cTn>
+                        </p:par>
+                      </p:childTnLst>
+                    </p:cTn>
+                  </p:par>
+                </p:childTnLst>
+              </p:cTn>
+              <p:prevCondLst>
+                <p:cond evt="onPrev" delay="0">
+                  <p:tgtEl>
+                    <p:sldTgt/>
+                  </p:tgtEl>
+                </p:cond>
+              </p:prevCondLst>
+              <p:nextCondLst>
+                <p:cond evt="onNext" delay="0">
+                  <p:tgtEl>
+                    <p:sldTgt/>
+                  </p:tgtEl>
+                </p:cond>
+              </p:nextCondLst>
+            </p:seq>
+          </p:childTnLst>
+        </p:cTn>
+      </p:par>
+    </p:tnLst>
+  </p:timing>
 </p:sld>
 </file>
 
@@ -6786,7 +8390,7 @@
               <a:rPr lang="de-DE" sz="2600">
                 <a:sym typeface="Wingdings" panose="05000000000000000000" pitchFamily="2" charset="2"/>
               </a:rPr>
-              <a:t> Section of binary Variables (TV, WiFi, Pool, …)</a:t>
+              <a:t> Selection of binary variables (TV, WiFi, Pool, …)</a:t>
             </a:r>
           </a:p>
           <a:p>
@@ -6795,7 +8399,7 @@
               <a:rPr lang="de-DE" sz="2600">
                 <a:sym typeface="Wingdings" panose="05000000000000000000" pitchFamily="2" charset="2"/>
               </a:rPr>
-              <a:t>Free text description  Extract size, Altbau indicator</a:t>
+              <a:t>Free text description  Size and „Altbau“ </a:t>
             </a:r>
           </a:p>
         </p:txBody>
@@ -6810,663 +8414,383 @@
   <p:clrMapOvr>
     <a:masterClrMapping/>
   </p:clrMapOvr>
+  <p:timing>
+    <p:tnLst>
+      <p:par>
+        <p:cTn id="1" dur="indefinite" restart="never" nodeType="tmRoot">
+          <p:childTnLst>
+            <p:seq concurrent="1" nextAc="seek">
+              <p:cTn id="2" dur="indefinite" nodeType="mainSeq">
+                <p:childTnLst>
+                  <p:par>
+                    <p:cTn id="3" fill="hold">
+                      <p:stCondLst>
+                        <p:cond delay="indefinite"/>
+                      </p:stCondLst>
+                      <p:childTnLst>
+                        <p:par>
+                          <p:cTn id="4" fill="hold">
+                            <p:stCondLst>
+                              <p:cond delay="0"/>
+                            </p:stCondLst>
+                            <p:childTnLst>
+                              <p:par>
+                                <p:cTn id="5" presetID="1" presetClass="entr" presetSubtype="0" fill="hold" nodeType="clickEffect">
+                                  <p:stCondLst>
+                                    <p:cond delay="0"/>
+                                  </p:stCondLst>
+                                  <p:childTnLst>
+                                    <p:set>
+                                      <p:cBhvr>
+                                        <p:cTn id="6" dur="1" fill="hold">
+                                          <p:stCondLst>
+                                            <p:cond delay="0"/>
+                                          </p:stCondLst>
+                                        </p:cTn>
+                                        <p:tgtEl>
+                                          <p:spTgt spid="5">
+                                            <p:txEl>
+                                              <p:pRg st="0" end="0"/>
+                                            </p:txEl>
+                                          </p:spTgt>
+                                        </p:tgtEl>
+                                        <p:attrNameLst>
+                                          <p:attrName>style.visibility</p:attrName>
+                                        </p:attrNameLst>
+                                      </p:cBhvr>
+                                      <p:to>
+                                        <p:strVal val="visible"/>
+                                      </p:to>
+                                    </p:set>
+                                  </p:childTnLst>
+                                </p:cTn>
+                              </p:par>
+                            </p:childTnLst>
+                          </p:cTn>
+                        </p:par>
+                      </p:childTnLst>
+                    </p:cTn>
+                  </p:par>
+                  <p:par>
+                    <p:cTn id="7" fill="hold">
+                      <p:stCondLst>
+                        <p:cond delay="indefinite"/>
+                      </p:stCondLst>
+                      <p:childTnLst>
+                        <p:par>
+                          <p:cTn id="8" fill="hold">
+                            <p:stCondLst>
+                              <p:cond delay="0"/>
+                            </p:stCondLst>
+                            <p:childTnLst>
+                              <p:par>
+                                <p:cTn id="9" presetID="1" presetClass="entr" presetSubtype="0" fill="hold" nodeType="clickEffect">
+                                  <p:stCondLst>
+                                    <p:cond delay="0"/>
+                                  </p:stCondLst>
+                                  <p:childTnLst>
+                                    <p:set>
+                                      <p:cBhvr>
+                                        <p:cTn id="10" dur="1" fill="hold">
+                                          <p:stCondLst>
+                                            <p:cond delay="0"/>
+                                          </p:stCondLst>
+                                        </p:cTn>
+                                        <p:tgtEl>
+                                          <p:spTgt spid="5">
+                                            <p:txEl>
+                                              <p:pRg st="1" end="1"/>
+                                            </p:txEl>
+                                          </p:spTgt>
+                                        </p:tgtEl>
+                                        <p:attrNameLst>
+                                          <p:attrName>style.visibility</p:attrName>
+                                        </p:attrNameLst>
+                                      </p:cBhvr>
+                                      <p:to>
+                                        <p:strVal val="visible"/>
+                                      </p:to>
+                                    </p:set>
+                                  </p:childTnLst>
+                                </p:cTn>
+                              </p:par>
+                            </p:childTnLst>
+                          </p:cTn>
+                        </p:par>
+                      </p:childTnLst>
+                    </p:cTn>
+                  </p:par>
+                  <p:par>
+                    <p:cTn id="11" fill="hold">
+                      <p:stCondLst>
+                        <p:cond delay="indefinite"/>
+                      </p:stCondLst>
+                      <p:childTnLst>
+                        <p:par>
+                          <p:cTn id="12" fill="hold">
+                            <p:stCondLst>
+                              <p:cond delay="0"/>
+                            </p:stCondLst>
+                            <p:childTnLst>
+                              <p:par>
+                                <p:cTn id="13" presetID="1" presetClass="entr" presetSubtype="0" fill="hold" nodeType="clickEffect">
+                                  <p:stCondLst>
+                                    <p:cond delay="0"/>
+                                  </p:stCondLst>
+                                  <p:childTnLst>
+                                    <p:set>
+                                      <p:cBhvr>
+                                        <p:cTn id="14" dur="1" fill="hold">
+                                          <p:stCondLst>
+                                            <p:cond delay="0"/>
+                                          </p:stCondLst>
+                                        </p:cTn>
+                                        <p:tgtEl>
+                                          <p:spTgt spid="5">
+                                            <p:txEl>
+                                              <p:pRg st="2" end="2"/>
+                                            </p:txEl>
+                                          </p:spTgt>
+                                        </p:tgtEl>
+                                        <p:attrNameLst>
+                                          <p:attrName>style.visibility</p:attrName>
+                                        </p:attrNameLst>
+                                      </p:cBhvr>
+                                      <p:to>
+                                        <p:strVal val="visible"/>
+                                      </p:to>
+                                    </p:set>
+                                  </p:childTnLst>
+                                </p:cTn>
+                              </p:par>
+                            </p:childTnLst>
+                          </p:cTn>
+                        </p:par>
+                      </p:childTnLst>
+                    </p:cTn>
+                  </p:par>
+                  <p:par>
+                    <p:cTn id="15" fill="hold">
+                      <p:stCondLst>
+                        <p:cond delay="indefinite"/>
+                      </p:stCondLst>
+                      <p:childTnLst>
+                        <p:par>
+                          <p:cTn id="16" fill="hold">
+                            <p:stCondLst>
+                              <p:cond delay="0"/>
+                            </p:stCondLst>
+                            <p:childTnLst>
+                              <p:par>
+                                <p:cTn id="17" presetID="1" presetClass="entr" presetSubtype="0" fill="hold" nodeType="clickEffect">
+                                  <p:stCondLst>
+                                    <p:cond delay="0"/>
+                                  </p:stCondLst>
+                                  <p:childTnLst>
+                                    <p:set>
+                                      <p:cBhvr>
+                                        <p:cTn id="18" dur="1" fill="hold">
+                                          <p:stCondLst>
+                                            <p:cond delay="0"/>
+                                          </p:stCondLst>
+                                        </p:cTn>
+                                        <p:tgtEl>
+                                          <p:spTgt spid="5">
+                                            <p:txEl>
+                                              <p:pRg st="3" end="3"/>
+                                            </p:txEl>
+                                          </p:spTgt>
+                                        </p:tgtEl>
+                                        <p:attrNameLst>
+                                          <p:attrName>style.visibility</p:attrName>
+                                        </p:attrNameLst>
+                                      </p:cBhvr>
+                                      <p:to>
+                                        <p:strVal val="visible"/>
+                                      </p:to>
+                                    </p:set>
+                                  </p:childTnLst>
+                                </p:cTn>
+                              </p:par>
+                            </p:childTnLst>
+                          </p:cTn>
+                        </p:par>
+                      </p:childTnLst>
+                    </p:cTn>
+                  </p:par>
+                  <p:par>
+                    <p:cTn id="19" fill="hold">
+                      <p:stCondLst>
+                        <p:cond delay="indefinite"/>
+                      </p:stCondLst>
+                      <p:childTnLst>
+                        <p:par>
+                          <p:cTn id="20" fill="hold">
+                            <p:stCondLst>
+                              <p:cond delay="0"/>
+                            </p:stCondLst>
+                            <p:childTnLst>
+                              <p:par>
+                                <p:cTn id="21" presetID="1" presetClass="entr" presetSubtype="0" fill="hold" nodeType="clickEffect">
+                                  <p:stCondLst>
+                                    <p:cond delay="0"/>
+                                  </p:stCondLst>
+                                  <p:childTnLst>
+                                    <p:set>
+                                      <p:cBhvr>
+                                        <p:cTn id="22" dur="1" fill="hold">
+                                          <p:stCondLst>
+                                            <p:cond delay="0"/>
+                                          </p:stCondLst>
+                                        </p:cTn>
+                                        <p:tgtEl>
+                                          <p:spTgt spid="5">
+                                            <p:txEl>
+                                              <p:pRg st="4" end="4"/>
+                                            </p:txEl>
+                                          </p:spTgt>
+                                        </p:tgtEl>
+                                        <p:attrNameLst>
+                                          <p:attrName>style.visibility</p:attrName>
+                                        </p:attrNameLst>
+                                      </p:cBhvr>
+                                      <p:to>
+                                        <p:strVal val="visible"/>
+                                      </p:to>
+                                    </p:set>
+                                  </p:childTnLst>
+                                </p:cTn>
+                              </p:par>
+                            </p:childTnLst>
+                          </p:cTn>
+                        </p:par>
+                      </p:childTnLst>
+                    </p:cTn>
+                  </p:par>
+                  <p:par>
+                    <p:cTn id="23" fill="hold">
+                      <p:stCondLst>
+                        <p:cond delay="indefinite"/>
+                      </p:stCondLst>
+                      <p:childTnLst>
+                        <p:par>
+                          <p:cTn id="24" fill="hold">
+                            <p:stCondLst>
+                              <p:cond delay="0"/>
+                            </p:stCondLst>
+                            <p:childTnLst>
+                              <p:par>
+                                <p:cTn id="25" presetID="1" presetClass="entr" presetSubtype="0" fill="hold" nodeType="clickEffect">
+                                  <p:stCondLst>
+                                    <p:cond delay="0"/>
+                                  </p:stCondLst>
+                                  <p:childTnLst>
+                                    <p:set>
+                                      <p:cBhvr>
+                                        <p:cTn id="26" dur="1" fill="hold">
+                                          <p:stCondLst>
+                                            <p:cond delay="0"/>
+                                          </p:stCondLst>
+                                        </p:cTn>
+                                        <p:tgtEl>
+                                          <p:spTgt spid="5">
+                                            <p:txEl>
+                                              <p:pRg st="5" end="5"/>
+                                            </p:txEl>
+                                          </p:spTgt>
+                                        </p:tgtEl>
+                                        <p:attrNameLst>
+                                          <p:attrName>style.visibility</p:attrName>
+                                        </p:attrNameLst>
+                                      </p:cBhvr>
+                                      <p:to>
+                                        <p:strVal val="visible"/>
+                                      </p:to>
+                                    </p:set>
+                                  </p:childTnLst>
+                                </p:cTn>
+                              </p:par>
+                            </p:childTnLst>
+                          </p:cTn>
+                        </p:par>
+                      </p:childTnLst>
+                    </p:cTn>
+                  </p:par>
+                  <p:par>
+                    <p:cTn id="27" fill="hold">
+                      <p:stCondLst>
+                        <p:cond delay="indefinite"/>
+                      </p:stCondLst>
+                      <p:childTnLst>
+                        <p:par>
+                          <p:cTn id="28" fill="hold">
+                            <p:stCondLst>
+                              <p:cond delay="0"/>
+                            </p:stCondLst>
+                            <p:childTnLst>
+                              <p:par>
+                                <p:cTn id="29" presetID="1" presetClass="entr" presetSubtype="0" fill="hold" nodeType="clickEffect">
+                                  <p:stCondLst>
+                                    <p:cond delay="0"/>
+                                  </p:stCondLst>
+                                  <p:childTnLst>
+                                    <p:set>
+                                      <p:cBhvr>
+                                        <p:cTn id="30" dur="1" fill="hold">
+                                          <p:stCondLst>
+                                            <p:cond delay="0"/>
+                                          </p:stCondLst>
+                                        </p:cTn>
+                                        <p:tgtEl>
+                                          <p:spTgt spid="5">
+                                            <p:txEl>
+                                              <p:pRg st="6" end="6"/>
+                                            </p:txEl>
+                                          </p:spTgt>
+                                        </p:tgtEl>
+                                        <p:attrNameLst>
+                                          <p:attrName>style.visibility</p:attrName>
+                                        </p:attrNameLst>
+                                      </p:cBhvr>
+                                      <p:to>
+                                        <p:strVal val="visible"/>
+                                      </p:to>
+                                    </p:set>
+                                  </p:childTnLst>
+                                </p:cTn>
+                              </p:par>
+                            </p:childTnLst>
+                          </p:cTn>
+                        </p:par>
+                      </p:childTnLst>
+                    </p:cTn>
+                  </p:par>
+                </p:childTnLst>
+              </p:cTn>
+              <p:prevCondLst>
+                <p:cond evt="onPrev" delay="0">
+                  <p:tgtEl>
+                    <p:sldTgt/>
+                  </p:tgtEl>
+                </p:cond>
+              </p:prevCondLst>
+              <p:nextCondLst>
+                <p:cond evt="onNext" delay="0">
+                  <p:tgtEl>
+                    <p:sldTgt/>
+                  </p:tgtEl>
+                </p:cond>
+              </p:nextCondLst>
+            </p:seq>
+          </p:childTnLst>
+        </p:cTn>
+      </p:par>
+    </p:tnLst>
+  </p:timing>
 </p:sld>
 </file>
 
 <file path=ppt/slides/slide6.xml><?xml version="1.0" encoding="utf-8"?>
-<p:sld xmlns:a="http://schemas.openxmlformats.org/drawingml/2006/main" xmlns:r="http://schemas.openxmlformats.org/officeDocument/2006/relationships" xmlns:p="http://schemas.openxmlformats.org/presentationml/2006/main">
-  <p:cSld>
-    <p:spTree>
-      <p:nvGrpSpPr>
-        <p:cNvPr id="1" name=""/>
-        <p:cNvGrpSpPr/>
-        <p:nvPr/>
-      </p:nvGrpSpPr>
-      <p:grpSpPr>
-        <a:xfrm>
-          <a:off x="0" y="0"/>
-          <a:ext cx="0" cy="0"/>
-          <a:chOff x="0" y="0"/>
-          <a:chExt cx="0" cy="0"/>
-        </a:xfrm>
-      </p:grpSpPr>
-      <p:sp>
-        <p:nvSpPr>
-          <p:cNvPr id="2" name="Titel 1">
-            <a:extLst>
-              <a:ext uri="{FF2B5EF4-FFF2-40B4-BE49-F238E27FC236}">
-                <a16:creationId xmlns:a16="http://schemas.microsoft.com/office/drawing/2014/main" id="{EFF24249-C681-4723-BC36-83D3EE4E9C17}"/>
-              </a:ext>
-            </a:extLst>
-          </p:cNvPr>
-          <p:cNvSpPr>
-            <a:spLocks noGrp="1"/>
-          </p:cNvSpPr>
-          <p:nvPr>
-            <p:ph type="title"/>
-          </p:nvPr>
-        </p:nvSpPr>
-        <p:spPr/>
-        <p:txBody>
-          <a:bodyPr/>
-          <a:lstStyle/>
-          <a:p>
-            <a:r>
-              <a:rPr lang="de-DE" sz="4000"/>
-              <a:t>Data</a:t>
-            </a:r>
-          </a:p>
-        </p:txBody>
-      </p:sp>
-      <p:sp>
-        <p:nvSpPr>
-          <p:cNvPr id="3" name="Fußzeilenplatzhalter 2">
-            <a:extLst>
-              <a:ext uri="{FF2B5EF4-FFF2-40B4-BE49-F238E27FC236}">
-                <a16:creationId xmlns:a16="http://schemas.microsoft.com/office/drawing/2014/main" id="{0FEE5710-5E30-4E78-86AD-5F947A340DFB}"/>
-              </a:ext>
-            </a:extLst>
-          </p:cNvPr>
-          <p:cNvSpPr>
-            <a:spLocks noGrp="1"/>
-          </p:cNvSpPr>
-          <p:nvPr>
-            <p:ph type="ftr" sz="quarter" idx="10"/>
-          </p:nvPr>
-        </p:nvSpPr>
-        <p:spPr/>
-        <p:txBody>
-          <a:bodyPr/>
-          <a:lstStyle/>
-          <a:p>
-            <a:r>
-              <a:rPr lang="en-US" noProof="0"/>
-              <a:t>Prof. Dr. Tillmann Schwörer</a:t>
-            </a:r>
-          </a:p>
-        </p:txBody>
-      </p:sp>
-      <p:sp>
-        <p:nvSpPr>
-          <p:cNvPr id="4" name="Foliennummernplatzhalter 3">
-            <a:extLst>
-              <a:ext uri="{FF2B5EF4-FFF2-40B4-BE49-F238E27FC236}">
-                <a16:creationId xmlns:a16="http://schemas.microsoft.com/office/drawing/2014/main" id="{41E778B0-0260-4ECD-9F8A-AE4B0A996CEA}"/>
-              </a:ext>
-            </a:extLst>
-          </p:cNvPr>
-          <p:cNvSpPr>
-            <a:spLocks noGrp="1"/>
-          </p:cNvSpPr>
-          <p:nvPr>
-            <p:ph type="sldNum" sz="quarter" idx="11"/>
-          </p:nvPr>
-        </p:nvSpPr>
-        <p:spPr/>
-        <p:txBody>
-          <a:bodyPr/>
-          <a:lstStyle/>
-          <a:p>
-            <a:fld id="{F5F19A2F-F7A0-42C7-B875-D17FCC656837}" type="slidenum">
-              <a:rPr lang="en-US" noProof="0" smtClean="0"/>
-              <a:pPr/>
-              <a:t>6</a:t>
-            </a:fld>
-            <a:endParaRPr lang="en-US" noProof="0"/>
-          </a:p>
-        </p:txBody>
-      </p:sp>
-      <p:sp>
-        <p:nvSpPr>
-          <p:cNvPr id="5" name="Textplatzhalter 4">
-            <a:extLst>
-              <a:ext uri="{FF2B5EF4-FFF2-40B4-BE49-F238E27FC236}">
-                <a16:creationId xmlns:a16="http://schemas.microsoft.com/office/drawing/2014/main" id="{41657BBE-2A68-4C0E-882F-BE9CE5EFFE3A}"/>
-              </a:ext>
-            </a:extLst>
-          </p:cNvPr>
-          <p:cNvSpPr>
-            <a:spLocks noGrp="1"/>
-          </p:cNvSpPr>
-          <p:nvPr>
-            <p:ph type="body" sz="quarter" idx="12"/>
-          </p:nvPr>
-        </p:nvSpPr>
-        <p:spPr/>
-        <p:txBody>
-          <a:bodyPr/>
-          <a:lstStyle/>
-          <a:p>
-            <a:r>
-              <a:rPr lang="de-DE" sz="2800"/>
-              <a:t>10+ ways of writing the same: </a:t>
-            </a:r>
-            <a:r>
-              <a:rPr lang="de-DE" sz="2800">
-                <a:solidFill>
-                  <a:schemeClr val="accent2"/>
-                </a:solidFill>
-              </a:rPr>
-              <a:t>m</a:t>
-            </a:r>
-            <a:r>
-              <a:rPr lang="de-DE" sz="2800" baseline="30000">
-                <a:solidFill>
-                  <a:schemeClr val="accent2"/>
-                </a:solidFill>
-              </a:rPr>
-              <a:t>2</a:t>
-            </a:r>
-            <a:r>
-              <a:rPr lang="de-DE" sz="2800">
-                <a:solidFill>
-                  <a:schemeClr val="accent2"/>
-                </a:solidFill>
-              </a:rPr>
-              <a:t>, m2, sq.m, square meter, m.sq</a:t>
-            </a:r>
-            <a:r>
-              <a:rPr lang="de-DE" sz="2800"/>
-              <a:t>., …</a:t>
-            </a:r>
-          </a:p>
-          <a:p>
-            <a:r>
-              <a:rPr lang="de-DE" sz="2800"/>
-              <a:t>Not to be confused with </a:t>
-            </a:r>
-            <a:r>
-              <a:rPr lang="de-DE" sz="2800">
-                <a:solidFill>
-                  <a:schemeClr val="accent3"/>
-                </a:solidFill>
-              </a:rPr>
-              <a:t>square inches</a:t>
-            </a:r>
-            <a:r>
-              <a:rPr lang="de-DE" sz="2800"/>
-              <a:t>, </a:t>
-            </a:r>
-            <a:r>
-              <a:rPr lang="de-DE" sz="2800">
-                <a:solidFill>
-                  <a:schemeClr val="accent3"/>
-                </a:solidFill>
-              </a:rPr>
-              <a:t>square feet</a:t>
-            </a:r>
-            <a:r>
-              <a:rPr lang="de-DE" sz="2800"/>
-              <a:t>, etc.</a:t>
-            </a:r>
-          </a:p>
-          <a:p>
-            <a:r>
-              <a:rPr lang="de-DE" sz="2800" i="1">
-                <a:sym typeface="Wingdings" panose="05000000000000000000" pitchFamily="2" charset="2"/>
-              </a:rPr>
-              <a:t>„</a:t>
-            </a:r>
-            <a:r>
-              <a:rPr lang="en-US" sz="2800" i="1">
-                <a:sym typeface="Wingdings" panose="05000000000000000000" pitchFamily="2" charset="2"/>
-              </a:rPr>
-              <a:t>You can see beautiful sunsets from the window and you also have a balcony. </a:t>
-            </a:r>
-            <a:r>
-              <a:rPr lang="en-US" sz="2800" i="1">
-                <a:solidFill>
-                  <a:schemeClr val="accent6"/>
-                </a:solidFill>
-                <a:sym typeface="Wingdings" panose="05000000000000000000" pitchFamily="2" charset="2"/>
-              </a:rPr>
-              <a:t>It's 28 m2 in a 100 m2</a:t>
-            </a:r>
-            <a:r>
-              <a:rPr lang="en-US" sz="2800" i="1">
-                <a:sym typeface="Wingdings" panose="05000000000000000000" pitchFamily="2" charset="2"/>
-              </a:rPr>
-              <a:t> apartment near Mitte, Prenzlauer Berg, …”</a:t>
-            </a:r>
-          </a:p>
-          <a:p>
-            <a:r>
-              <a:rPr lang="en-US" sz="2800" i="1">
-                <a:solidFill>
-                  <a:schemeClr val="accent1"/>
-                </a:solidFill>
-                <a:sym typeface="Wingdings" panose="05000000000000000000" pitchFamily="2" charset="2"/>
-              </a:rPr>
-              <a:t>Both</a:t>
-            </a:r>
-            <a:r>
-              <a:rPr lang="en-US" sz="2800" i="1">
-                <a:sym typeface="Wingdings" panose="05000000000000000000" pitchFamily="2" charset="2"/>
-              </a:rPr>
-              <a:t> </a:t>
-            </a:r>
-            <a:r>
-              <a:rPr lang="en-US" sz="2800" i="1">
-                <a:solidFill>
-                  <a:schemeClr val="accent1"/>
-                </a:solidFill>
-                <a:sym typeface="Wingdings" panose="05000000000000000000" pitchFamily="2" charset="2"/>
-              </a:rPr>
-              <a:t>bedrooms</a:t>
-            </a:r>
-            <a:r>
-              <a:rPr lang="en-US" sz="2800" i="1">
-                <a:sym typeface="Wingdings" panose="05000000000000000000" pitchFamily="2" charset="2"/>
-              </a:rPr>
-              <a:t> comprise approximately </a:t>
-            </a:r>
-            <a:r>
-              <a:rPr lang="en-US" sz="2800" i="1">
-                <a:solidFill>
-                  <a:schemeClr val="accent1"/>
-                </a:solidFill>
-                <a:sym typeface="Wingdings" panose="05000000000000000000" pitchFamily="2" charset="2"/>
-              </a:rPr>
-              <a:t>25 sqm each</a:t>
-            </a:r>
-            <a:r>
-              <a:rPr lang="en-US" sz="2800" i="1">
-                <a:sym typeface="Wingdings" panose="05000000000000000000" pitchFamily="2" charset="2"/>
-              </a:rPr>
-              <a:t>.</a:t>
-            </a:r>
-            <a:r>
-              <a:rPr lang="de-DE" sz="2800"/>
-              <a:t> </a:t>
-            </a:r>
-          </a:p>
-          <a:p>
-            <a:pPr marL="0" indent="0">
-              <a:buNone/>
-            </a:pPr>
-            <a:endParaRPr lang="de-DE" sz="2800" b="1"/>
-          </a:p>
-          <a:p>
-            <a:pPr marL="0" indent="0">
-              <a:buNone/>
-            </a:pPr>
-            <a:r>
-              <a:rPr lang="de-DE" sz="2800" b="1"/>
-              <a:t>Feature Engineering can be hard ;-)</a:t>
-            </a:r>
-            <a:endParaRPr lang="en-US" sz="2800" b="1" i="1">
-              <a:sym typeface="Wingdings" panose="05000000000000000000" pitchFamily="2" charset="2"/>
-            </a:endParaRPr>
-          </a:p>
-        </p:txBody>
-      </p:sp>
-    </p:spTree>
-    <p:extLst>
-      <p:ext uri="{BB962C8B-B14F-4D97-AF65-F5344CB8AC3E}">
-        <p14:creationId xmlns:p14="http://schemas.microsoft.com/office/powerpoint/2010/main" val="322164904"/>
-      </p:ext>
-    </p:extLst>
-  </p:cSld>
-  <p:clrMapOvr>
-    <a:masterClrMapping/>
-  </p:clrMapOvr>
-</p:sld>
-</file>
-
-<file path=ppt/slides/slide7.xml><?xml version="1.0" encoding="utf-8"?>
-<p:sld xmlns:a="http://schemas.openxmlformats.org/drawingml/2006/main" xmlns:r="http://schemas.openxmlformats.org/officeDocument/2006/relationships" xmlns:p="http://schemas.openxmlformats.org/presentationml/2006/main">
-  <p:cSld>
-    <p:spTree>
-      <p:nvGrpSpPr>
-        <p:cNvPr id="1" name=""/>
-        <p:cNvGrpSpPr/>
-        <p:nvPr/>
-      </p:nvGrpSpPr>
-      <p:grpSpPr>
-        <a:xfrm>
-          <a:off x="0" y="0"/>
-          <a:ext cx="0" cy="0"/>
-          <a:chOff x="0" y="0"/>
-          <a:chExt cx="0" cy="0"/>
-        </a:xfrm>
-      </p:grpSpPr>
-      <p:sp>
-        <p:nvSpPr>
-          <p:cNvPr id="2" name="Titel 1">
-            <a:extLst>
-              <a:ext uri="{FF2B5EF4-FFF2-40B4-BE49-F238E27FC236}">
-                <a16:creationId xmlns:a16="http://schemas.microsoft.com/office/drawing/2014/main" id="{CFBC1268-8B1B-4902-A130-E0598C0100DB}"/>
-              </a:ext>
-            </a:extLst>
-          </p:cNvPr>
-          <p:cNvSpPr>
-            <a:spLocks noGrp="1"/>
-          </p:cNvSpPr>
-          <p:nvPr>
-            <p:ph type="title"/>
-          </p:nvPr>
-        </p:nvSpPr>
-        <p:spPr/>
-        <p:txBody>
-          <a:bodyPr/>
-          <a:lstStyle/>
-          <a:p>
-            <a:r>
-              <a:rPr lang="de-DE" sz="4000"/>
-              <a:t>Data</a:t>
-            </a:r>
-            <a:endParaRPr lang="de-DE"/>
-          </a:p>
-        </p:txBody>
-      </p:sp>
-      <p:sp>
-        <p:nvSpPr>
-          <p:cNvPr id="3" name="Fußzeilenplatzhalter 2">
-            <a:extLst>
-              <a:ext uri="{FF2B5EF4-FFF2-40B4-BE49-F238E27FC236}">
-                <a16:creationId xmlns:a16="http://schemas.microsoft.com/office/drawing/2014/main" id="{E929B589-0D24-4F48-A458-B1CECC544108}"/>
-              </a:ext>
-            </a:extLst>
-          </p:cNvPr>
-          <p:cNvSpPr>
-            <a:spLocks noGrp="1"/>
-          </p:cNvSpPr>
-          <p:nvPr>
-            <p:ph type="ftr" sz="quarter" idx="10"/>
-          </p:nvPr>
-        </p:nvSpPr>
-        <p:spPr/>
-        <p:txBody>
-          <a:bodyPr/>
-          <a:lstStyle/>
-          <a:p>
-            <a:r>
-              <a:rPr lang="en-US" noProof="0"/>
-              <a:t>Prof. Dr. Tillmann Schwörer</a:t>
-            </a:r>
-          </a:p>
-        </p:txBody>
-      </p:sp>
-      <p:sp>
-        <p:nvSpPr>
-          <p:cNvPr id="4" name="Foliennummernplatzhalter 3">
-            <a:extLst>
-              <a:ext uri="{FF2B5EF4-FFF2-40B4-BE49-F238E27FC236}">
-                <a16:creationId xmlns:a16="http://schemas.microsoft.com/office/drawing/2014/main" id="{1D589BD3-8357-4C8C-99C7-323CD39E9B22}"/>
-              </a:ext>
-            </a:extLst>
-          </p:cNvPr>
-          <p:cNvSpPr>
-            <a:spLocks noGrp="1"/>
-          </p:cNvSpPr>
-          <p:nvPr>
-            <p:ph type="sldNum" sz="quarter" idx="11"/>
-          </p:nvPr>
-        </p:nvSpPr>
-        <p:spPr/>
-        <p:txBody>
-          <a:bodyPr/>
-          <a:lstStyle/>
-          <a:p>
-            <a:fld id="{F5F19A2F-F7A0-42C7-B875-D17FCC656837}" type="slidenum">
-              <a:rPr lang="en-US" noProof="0" smtClean="0"/>
-              <a:pPr/>
-              <a:t>7</a:t>
-            </a:fld>
-            <a:endParaRPr lang="en-US" noProof="0"/>
-          </a:p>
-        </p:txBody>
-      </p:sp>
-      <p:pic>
-        <p:nvPicPr>
-          <p:cNvPr id="5" name="Grafik 4">
-            <a:extLst>
-              <a:ext uri="{FF2B5EF4-FFF2-40B4-BE49-F238E27FC236}">
-                <a16:creationId xmlns:a16="http://schemas.microsoft.com/office/drawing/2014/main" id="{A25970D9-E442-4CD3-B26F-6FDCBA3D03F4}"/>
-              </a:ext>
-            </a:extLst>
-          </p:cNvPr>
-          <p:cNvPicPr>
-            <a:picLocks noChangeAspect="1"/>
-          </p:cNvPicPr>
-          <p:nvPr/>
-        </p:nvPicPr>
-        <p:blipFill>
-          <a:blip r:embed="rId2"/>
-          <a:stretch>
-            <a:fillRect/>
-          </a:stretch>
-        </p:blipFill>
-        <p:spPr>
-          <a:xfrm>
-            <a:off x="390180" y="1376232"/>
-            <a:ext cx="11411639" cy="4879535"/>
-          </a:xfrm>
-          <a:prstGeom prst="rect">
-            <a:avLst/>
-          </a:prstGeom>
-        </p:spPr>
-      </p:pic>
-    </p:spTree>
-    <p:extLst>
-      <p:ext uri="{BB962C8B-B14F-4D97-AF65-F5344CB8AC3E}">
-        <p14:creationId xmlns:p14="http://schemas.microsoft.com/office/powerpoint/2010/main" val="2411027402"/>
-      </p:ext>
-    </p:extLst>
-  </p:cSld>
-  <p:clrMapOvr>
-    <a:masterClrMapping/>
-  </p:clrMapOvr>
-</p:sld>
-</file>
-
-<file path=ppt/slides/slide8.xml><?xml version="1.0" encoding="utf-8"?>
-<p:sld xmlns:a="http://schemas.openxmlformats.org/drawingml/2006/main" xmlns:r="http://schemas.openxmlformats.org/officeDocument/2006/relationships" xmlns:p="http://schemas.openxmlformats.org/presentationml/2006/main">
-  <p:cSld>
-    <p:spTree>
-      <p:nvGrpSpPr>
-        <p:cNvPr id="1" name=""/>
-        <p:cNvGrpSpPr/>
-        <p:nvPr/>
-      </p:nvGrpSpPr>
-      <p:grpSpPr>
-        <a:xfrm>
-          <a:off x="0" y="0"/>
-          <a:ext cx="0" cy="0"/>
-          <a:chOff x="0" y="0"/>
-          <a:chExt cx="0" cy="0"/>
-        </a:xfrm>
-      </p:grpSpPr>
-      <p:sp>
-        <p:nvSpPr>
-          <p:cNvPr id="2" name="Titel 1">
-            <a:extLst>
-              <a:ext uri="{FF2B5EF4-FFF2-40B4-BE49-F238E27FC236}">
-                <a16:creationId xmlns:a16="http://schemas.microsoft.com/office/drawing/2014/main" id="{6FE73DB7-E70A-4836-98F6-0895298F05EC}"/>
-              </a:ext>
-            </a:extLst>
-          </p:cNvPr>
-          <p:cNvSpPr>
-            <a:spLocks noGrp="1"/>
-          </p:cNvSpPr>
-          <p:nvPr>
-            <p:ph type="title"/>
-          </p:nvPr>
-        </p:nvSpPr>
-        <p:spPr/>
-        <p:txBody>
-          <a:bodyPr/>
-          <a:lstStyle/>
-          <a:p>
-            <a:r>
-              <a:rPr lang="de-DE" sz="4000"/>
-              <a:t>Data</a:t>
-            </a:r>
-          </a:p>
-        </p:txBody>
-      </p:sp>
-      <p:sp>
-        <p:nvSpPr>
-          <p:cNvPr id="3" name="Fußzeilenplatzhalter 2">
-            <a:extLst>
-              <a:ext uri="{FF2B5EF4-FFF2-40B4-BE49-F238E27FC236}">
-                <a16:creationId xmlns:a16="http://schemas.microsoft.com/office/drawing/2014/main" id="{5A634759-3C27-47F3-AC52-BB3C5D52A2F8}"/>
-              </a:ext>
-            </a:extLst>
-          </p:cNvPr>
-          <p:cNvSpPr>
-            <a:spLocks noGrp="1"/>
-          </p:cNvSpPr>
-          <p:nvPr>
-            <p:ph type="ftr" sz="quarter" idx="10"/>
-          </p:nvPr>
-        </p:nvSpPr>
-        <p:spPr/>
-        <p:txBody>
-          <a:bodyPr/>
-          <a:lstStyle/>
-          <a:p>
-            <a:r>
-              <a:rPr lang="en-US" noProof="0"/>
-              <a:t>Prof. Dr. Tillmann Schwörer</a:t>
-            </a:r>
-          </a:p>
-        </p:txBody>
-      </p:sp>
-      <p:sp>
-        <p:nvSpPr>
-          <p:cNvPr id="4" name="Foliennummernplatzhalter 3">
-            <a:extLst>
-              <a:ext uri="{FF2B5EF4-FFF2-40B4-BE49-F238E27FC236}">
-                <a16:creationId xmlns:a16="http://schemas.microsoft.com/office/drawing/2014/main" id="{BAC32A35-3A5F-4AE8-A502-492339590D26}"/>
-              </a:ext>
-            </a:extLst>
-          </p:cNvPr>
-          <p:cNvSpPr>
-            <a:spLocks noGrp="1"/>
-          </p:cNvSpPr>
-          <p:nvPr>
-            <p:ph type="sldNum" sz="quarter" idx="11"/>
-          </p:nvPr>
-        </p:nvSpPr>
-        <p:spPr/>
-        <p:txBody>
-          <a:bodyPr/>
-          <a:lstStyle/>
-          <a:p>
-            <a:fld id="{F5F19A2F-F7A0-42C7-B875-D17FCC656837}" type="slidenum">
-              <a:rPr lang="en-US" noProof="0" smtClean="0"/>
-              <a:pPr/>
-              <a:t>8</a:t>
-            </a:fld>
-            <a:endParaRPr lang="en-US" noProof="0"/>
-          </a:p>
-        </p:txBody>
-      </p:sp>
-      <p:sp>
-        <p:nvSpPr>
-          <p:cNvPr id="5" name="Textplatzhalter 4">
-            <a:extLst>
-              <a:ext uri="{FF2B5EF4-FFF2-40B4-BE49-F238E27FC236}">
-                <a16:creationId xmlns:a16="http://schemas.microsoft.com/office/drawing/2014/main" id="{235E0306-9676-4D06-B29D-155BF7A7546F}"/>
-              </a:ext>
-            </a:extLst>
-          </p:cNvPr>
-          <p:cNvSpPr>
-            <a:spLocks noGrp="1"/>
-          </p:cNvSpPr>
-          <p:nvPr>
-            <p:ph type="body" sz="quarter" idx="12"/>
-          </p:nvPr>
-        </p:nvSpPr>
-        <p:spPr/>
-        <p:txBody>
-          <a:bodyPr/>
-          <a:lstStyle/>
-          <a:p>
-            <a:pPr marL="0" indent="0">
-              <a:buNone/>
-            </a:pPr>
-            <a:r>
-              <a:rPr lang="en-US" sz="3000" b="1"/>
-              <a:t>External Factors:</a:t>
-            </a:r>
-          </a:p>
-          <a:p>
-            <a:r>
-              <a:rPr lang="en-US" sz="3000"/>
-              <a:t>Source: Open Streetmap, Overpass API</a:t>
-            </a:r>
-          </a:p>
-          <a:p>
-            <a:r>
-              <a:rPr lang="en-US" sz="3000"/>
-              <a:t>Tagged (bus station, café, …) and georeferenced (longitude, latitude) data on almost everything</a:t>
-            </a:r>
-          </a:p>
-          <a:p>
-            <a:r>
-              <a:rPr lang="de-DE" sz="2800">
-                <a:sym typeface="Wingdings" panose="05000000000000000000" pitchFamily="2" charset="2"/>
-              </a:rPr>
-              <a:t>For each airbnb apartment we derive:</a:t>
-            </a:r>
-          </a:p>
-          <a:p>
-            <a:pPr lvl="1"/>
-            <a:r>
-              <a:rPr lang="de-DE" sz="2600">
-                <a:sym typeface="Wingdings" panose="05000000000000000000" pitchFamily="2" charset="2"/>
-              </a:rPr>
-              <a:t>distance in m to closest tram or train stop</a:t>
-            </a:r>
-          </a:p>
-          <a:p>
-            <a:pPr lvl="1"/>
-            <a:r>
-              <a:rPr lang="de-DE" sz="2600">
-                <a:sym typeface="Wingdings" panose="05000000000000000000" pitchFamily="2" charset="2"/>
-              </a:rPr>
-              <a:t>number of  restaurants within radius 300m</a:t>
-            </a:r>
-          </a:p>
-          <a:p>
-            <a:pPr lvl="1"/>
-            <a:r>
-              <a:rPr lang="de-DE" sz="2600">
-                <a:sym typeface="Wingdings" panose="05000000000000000000" pitchFamily="2" charset="2"/>
-              </a:rPr>
-              <a:t>number of attractions (museum, gallery, zoo) within 1000m</a:t>
-            </a:r>
-          </a:p>
-          <a:p>
-            <a:pPr lvl="1"/>
-            <a:r>
-              <a:rPr lang="de-DE" sz="2600">
-                <a:sym typeface="Wingdings" panose="05000000000000000000" pitchFamily="2" charset="2"/>
-              </a:rPr>
-              <a:t>…</a:t>
-            </a:r>
-          </a:p>
-          <a:p>
-            <a:endParaRPr lang="de-DE"/>
-          </a:p>
-        </p:txBody>
-      </p:sp>
-    </p:spTree>
-    <p:extLst>
-      <p:ext uri="{BB962C8B-B14F-4D97-AF65-F5344CB8AC3E}">
-        <p14:creationId xmlns:p14="http://schemas.microsoft.com/office/powerpoint/2010/main" val="962336494"/>
-      </p:ext>
-    </p:extLst>
-  </p:cSld>
-  <p:clrMapOvr>
-    <a:masterClrMapping/>
-  </p:clrMapOvr>
-</p:sld>
-</file>
-
-<file path=ppt/slides/slide9.xml><?xml version="1.0" encoding="utf-8"?>
 <p:sld xmlns:a="http://schemas.openxmlformats.org/drawingml/2006/main" xmlns:r="http://schemas.openxmlformats.org/officeDocument/2006/relationships" xmlns:p="http://schemas.openxmlformats.org/presentationml/2006/main">
   <p:cSld>
     <p:spTree>
@@ -7590,7 +8914,7 @@
             <a:fld id="{F5F19A2F-F7A0-42C7-B875-D17FCC656837}" type="slidenum">
               <a:rPr lang="en-US" noProof="0" smtClean="0"/>
               <a:pPr/>
-              <a:t>9</a:t>
+              <a:t>6</a:t>
             </a:fld>
             <a:endParaRPr lang="en-US" noProof="0"/>
           </a:p>
@@ -9011,6 +10335,954 @@
       <p:bldP spid="19" grpId="0" animBg="1"/>
     </p:bldLst>
   </p:timing>
+</p:sld>
+</file>
+
+<file path=ppt/slides/slide7.xml><?xml version="1.0" encoding="utf-8"?>
+<p:sld xmlns:a="http://schemas.openxmlformats.org/drawingml/2006/main" xmlns:r="http://schemas.openxmlformats.org/officeDocument/2006/relationships" xmlns:p="http://schemas.openxmlformats.org/presentationml/2006/main">
+  <p:cSld>
+    <p:spTree>
+      <p:nvGrpSpPr>
+        <p:cNvPr id="1" name=""/>
+        <p:cNvGrpSpPr/>
+        <p:nvPr/>
+      </p:nvGrpSpPr>
+      <p:grpSpPr>
+        <a:xfrm>
+          <a:off x="0" y="0"/>
+          <a:ext cx="0" cy="0"/>
+          <a:chOff x="0" y="0"/>
+          <a:chExt cx="0" cy="0"/>
+        </a:xfrm>
+      </p:grpSpPr>
+      <p:sp>
+        <p:nvSpPr>
+          <p:cNvPr id="2" name="Titel 1">
+            <a:extLst>
+              <a:ext uri="{FF2B5EF4-FFF2-40B4-BE49-F238E27FC236}">
+                <a16:creationId xmlns:a16="http://schemas.microsoft.com/office/drawing/2014/main" id="{EFF24249-C681-4723-BC36-83D3EE4E9C17}"/>
+              </a:ext>
+            </a:extLst>
+          </p:cNvPr>
+          <p:cNvSpPr>
+            <a:spLocks noGrp="1"/>
+          </p:cNvSpPr>
+          <p:nvPr>
+            <p:ph type="title"/>
+          </p:nvPr>
+        </p:nvSpPr>
+        <p:spPr/>
+        <p:txBody>
+          <a:bodyPr/>
+          <a:lstStyle/>
+          <a:p>
+            <a:r>
+              <a:rPr lang="de-DE" sz="4000"/>
+              <a:t>Data</a:t>
+            </a:r>
+          </a:p>
+        </p:txBody>
+      </p:sp>
+      <p:sp>
+        <p:nvSpPr>
+          <p:cNvPr id="3" name="Fußzeilenplatzhalter 2">
+            <a:extLst>
+              <a:ext uri="{FF2B5EF4-FFF2-40B4-BE49-F238E27FC236}">
+                <a16:creationId xmlns:a16="http://schemas.microsoft.com/office/drawing/2014/main" id="{0FEE5710-5E30-4E78-86AD-5F947A340DFB}"/>
+              </a:ext>
+            </a:extLst>
+          </p:cNvPr>
+          <p:cNvSpPr>
+            <a:spLocks noGrp="1"/>
+          </p:cNvSpPr>
+          <p:nvPr>
+            <p:ph type="ftr" sz="quarter" idx="10"/>
+          </p:nvPr>
+        </p:nvSpPr>
+        <p:spPr/>
+        <p:txBody>
+          <a:bodyPr/>
+          <a:lstStyle/>
+          <a:p>
+            <a:r>
+              <a:rPr lang="en-US" noProof="0"/>
+              <a:t>Prof. Dr. Tillmann Schwörer</a:t>
+            </a:r>
+          </a:p>
+        </p:txBody>
+      </p:sp>
+      <p:sp>
+        <p:nvSpPr>
+          <p:cNvPr id="4" name="Foliennummernplatzhalter 3">
+            <a:extLst>
+              <a:ext uri="{FF2B5EF4-FFF2-40B4-BE49-F238E27FC236}">
+                <a16:creationId xmlns:a16="http://schemas.microsoft.com/office/drawing/2014/main" id="{41E778B0-0260-4ECD-9F8A-AE4B0A996CEA}"/>
+              </a:ext>
+            </a:extLst>
+          </p:cNvPr>
+          <p:cNvSpPr>
+            <a:spLocks noGrp="1"/>
+          </p:cNvSpPr>
+          <p:nvPr>
+            <p:ph type="sldNum" sz="quarter" idx="11"/>
+          </p:nvPr>
+        </p:nvSpPr>
+        <p:spPr/>
+        <p:txBody>
+          <a:bodyPr/>
+          <a:lstStyle/>
+          <a:p>
+            <a:fld id="{F5F19A2F-F7A0-42C7-B875-D17FCC656837}" type="slidenum">
+              <a:rPr lang="en-US" noProof="0" smtClean="0"/>
+              <a:pPr/>
+              <a:t>7</a:t>
+            </a:fld>
+            <a:endParaRPr lang="en-US" noProof="0"/>
+          </a:p>
+        </p:txBody>
+      </p:sp>
+      <p:sp>
+        <p:nvSpPr>
+          <p:cNvPr id="5" name="Textplatzhalter 4">
+            <a:extLst>
+              <a:ext uri="{FF2B5EF4-FFF2-40B4-BE49-F238E27FC236}">
+                <a16:creationId xmlns:a16="http://schemas.microsoft.com/office/drawing/2014/main" id="{41657BBE-2A68-4C0E-882F-BE9CE5EFFE3A}"/>
+              </a:ext>
+            </a:extLst>
+          </p:cNvPr>
+          <p:cNvSpPr>
+            <a:spLocks noGrp="1"/>
+          </p:cNvSpPr>
+          <p:nvPr>
+            <p:ph type="body" sz="quarter" idx="12"/>
+          </p:nvPr>
+        </p:nvSpPr>
+        <p:spPr/>
+        <p:txBody>
+          <a:bodyPr/>
+          <a:lstStyle/>
+          <a:p>
+            <a:r>
+              <a:rPr lang="de-DE" sz="2800"/>
+              <a:t>10+ ways of writing the same: </a:t>
+            </a:r>
+            <a:r>
+              <a:rPr lang="de-DE" sz="2800">
+                <a:solidFill>
+                  <a:schemeClr val="accent2"/>
+                </a:solidFill>
+              </a:rPr>
+              <a:t>m</a:t>
+            </a:r>
+            <a:r>
+              <a:rPr lang="de-DE" sz="2800" baseline="30000">
+                <a:solidFill>
+                  <a:schemeClr val="accent2"/>
+                </a:solidFill>
+              </a:rPr>
+              <a:t>2</a:t>
+            </a:r>
+            <a:r>
+              <a:rPr lang="de-DE" sz="2800">
+                <a:solidFill>
+                  <a:schemeClr val="accent2"/>
+                </a:solidFill>
+              </a:rPr>
+              <a:t>, m2, sq.m, square meter, m.sq</a:t>
+            </a:r>
+            <a:r>
+              <a:rPr lang="de-DE" sz="2800"/>
+              <a:t>., …</a:t>
+            </a:r>
+          </a:p>
+          <a:p>
+            <a:r>
+              <a:rPr lang="de-DE" sz="2800"/>
+              <a:t>Not to be confused with </a:t>
+            </a:r>
+            <a:r>
+              <a:rPr lang="de-DE" sz="2800">
+                <a:solidFill>
+                  <a:schemeClr val="accent3"/>
+                </a:solidFill>
+              </a:rPr>
+              <a:t>square inches</a:t>
+            </a:r>
+            <a:r>
+              <a:rPr lang="de-DE" sz="2800"/>
+              <a:t>, </a:t>
+            </a:r>
+            <a:r>
+              <a:rPr lang="de-DE" sz="2800">
+                <a:solidFill>
+                  <a:schemeClr val="accent3"/>
+                </a:solidFill>
+              </a:rPr>
+              <a:t>square feet</a:t>
+            </a:r>
+            <a:r>
+              <a:rPr lang="de-DE" sz="2800"/>
+              <a:t>, etc.</a:t>
+            </a:r>
+          </a:p>
+          <a:p>
+            <a:r>
+              <a:rPr lang="de-DE" sz="2800" i="1">
+                <a:sym typeface="Wingdings" panose="05000000000000000000" pitchFamily="2" charset="2"/>
+              </a:rPr>
+              <a:t>„</a:t>
+            </a:r>
+            <a:r>
+              <a:rPr lang="en-US" sz="2800" i="1">
+                <a:sym typeface="Wingdings" panose="05000000000000000000" pitchFamily="2" charset="2"/>
+              </a:rPr>
+              <a:t>You can see beautiful sunsets from the window and you also have a balcony. </a:t>
+            </a:r>
+            <a:r>
+              <a:rPr lang="en-US" sz="2800" i="1">
+                <a:solidFill>
+                  <a:schemeClr val="accent6"/>
+                </a:solidFill>
+                <a:sym typeface="Wingdings" panose="05000000000000000000" pitchFamily="2" charset="2"/>
+              </a:rPr>
+              <a:t>It's 28 m2 in a 100 m2</a:t>
+            </a:r>
+            <a:r>
+              <a:rPr lang="en-US" sz="2800" i="1">
+                <a:sym typeface="Wingdings" panose="05000000000000000000" pitchFamily="2" charset="2"/>
+              </a:rPr>
+              <a:t> apartment near Mitte, Prenzlauer Berg, …”</a:t>
+            </a:r>
+          </a:p>
+          <a:p>
+            <a:r>
+              <a:rPr lang="en-US" sz="2800" i="1">
+                <a:solidFill>
+                  <a:schemeClr val="accent1"/>
+                </a:solidFill>
+                <a:sym typeface="Wingdings" panose="05000000000000000000" pitchFamily="2" charset="2"/>
+              </a:rPr>
+              <a:t>Both</a:t>
+            </a:r>
+            <a:r>
+              <a:rPr lang="en-US" sz="2800" i="1">
+                <a:sym typeface="Wingdings" panose="05000000000000000000" pitchFamily="2" charset="2"/>
+              </a:rPr>
+              <a:t> </a:t>
+            </a:r>
+            <a:r>
+              <a:rPr lang="en-US" sz="2800" i="1">
+                <a:solidFill>
+                  <a:schemeClr val="accent1"/>
+                </a:solidFill>
+                <a:sym typeface="Wingdings" panose="05000000000000000000" pitchFamily="2" charset="2"/>
+              </a:rPr>
+              <a:t>bedrooms</a:t>
+            </a:r>
+            <a:r>
+              <a:rPr lang="en-US" sz="2800" i="1">
+                <a:sym typeface="Wingdings" panose="05000000000000000000" pitchFamily="2" charset="2"/>
+              </a:rPr>
+              <a:t> comprise approximately </a:t>
+            </a:r>
+            <a:r>
+              <a:rPr lang="en-US" sz="2800" i="1">
+                <a:solidFill>
+                  <a:schemeClr val="accent1"/>
+                </a:solidFill>
+                <a:sym typeface="Wingdings" panose="05000000000000000000" pitchFamily="2" charset="2"/>
+              </a:rPr>
+              <a:t>25 sqm each</a:t>
+            </a:r>
+            <a:r>
+              <a:rPr lang="en-US" sz="2800" i="1">
+                <a:sym typeface="Wingdings" panose="05000000000000000000" pitchFamily="2" charset="2"/>
+              </a:rPr>
+              <a:t>.</a:t>
+            </a:r>
+            <a:r>
+              <a:rPr lang="de-DE" sz="2800"/>
+              <a:t> </a:t>
+            </a:r>
+          </a:p>
+          <a:p>
+            <a:pPr marL="0" indent="0">
+              <a:buNone/>
+            </a:pPr>
+            <a:endParaRPr lang="de-DE" sz="2800" b="1"/>
+          </a:p>
+          <a:p>
+            <a:pPr marL="0" indent="0">
+              <a:buNone/>
+            </a:pPr>
+            <a:r>
+              <a:rPr lang="de-DE" sz="2800" b="1"/>
+              <a:t>Feature Engineering can be hard ;-)</a:t>
+            </a:r>
+            <a:endParaRPr lang="en-US" sz="2800" b="1" i="1">
+              <a:sym typeface="Wingdings" panose="05000000000000000000" pitchFamily="2" charset="2"/>
+            </a:endParaRPr>
+          </a:p>
+        </p:txBody>
+      </p:sp>
+    </p:spTree>
+    <p:extLst>
+      <p:ext uri="{BB962C8B-B14F-4D97-AF65-F5344CB8AC3E}">
+        <p14:creationId xmlns:p14="http://schemas.microsoft.com/office/powerpoint/2010/main" val="322164904"/>
+      </p:ext>
+    </p:extLst>
+  </p:cSld>
+  <p:clrMapOvr>
+    <a:masterClrMapping/>
+  </p:clrMapOvr>
+  <p:timing>
+    <p:tnLst>
+      <p:par>
+        <p:cTn id="1" dur="indefinite" restart="never" nodeType="tmRoot">
+          <p:childTnLst>
+            <p:seq concurrent="1" nextAc="seek">
+              <p:cTn id="2" dur="indefinite" nodeType="mainSeq">
+                <p:childTnLst>
+                  <p:par>
+                    <p:cTn id="3" fill="hold">
+                      <p:stCondLst>
+                        <p:cond delay="indefinite"/>
+                      </p:stCondLst>
+                      <p:childTnLst>
+                        <p:par>
+                          <p:cTn id="4" fill="hold">
+                            <p:stCondLst>
+                              <p:cond delay="0"/>
+                            </p:stCondLst>
+                            <p:childTnLst>
+                              <p:par>
+                                <p:cTn id="5" presetID="1" presetClass="entr" presetSubtype="0" fill="hold" nodeType="clickEffect">
+                                  <p:stCondLst>
+                                    <p:cond delay="0"/>
+                                  </p:stCondLst>
+                                  <p:childTnLst>
+                                    <p:set>
+                                      <p:cBhvr>
+                                        <p:cTn id="6" dur="1" fill="hold">
+                                          <p:stCondLst>
+                                            <p:cond delay="0"/>
+                                          </p:stCondLst>
+                                        </p:cTn>
+                                        <p:tgtEl>
+                                          <p:spTgt spid="5">
+                                            <p:txEl>
+                                              <p:pRg st="0" end="0"/>
+                                            </p:txEl>
+                                          </p:spTgt>
+                                        </p:tgtEl>
+                                        <p:attrNameLst>
+                                          <p:attrName>style.visibility</p:attrName>
+                                        </p:attrNameLst>
+                                      </p:cBhvr>
+                                      <p:to>
+                                        <p:strVal val="visible"/>
+                                      </p:to>
+                                    </p:set>
+                                  </p:childTnLst>
+                                </p:cTn>
+                              </p:par>
+                            </p:childTnLst>
+                          </p:cTn>
+                        </p:par>
+                      </p:childTnLst>
+                    </p:cTn>
+                  </p:par>
+                  <p:par>
+                    <p:cTn id="7" fill="hold">
+                      <p:stCondLst>
+                        <p:cond delay="indefinite"/>
+                      </p:stCondLst>
+                      <p:childTnLst>
+                        <p:par>
+                          <p:cTn id="8" fill="hold">
+                            <p:stCondLst>
+                              <p:cond delay="0"/>
+                            </p:stCondLst>
+                            <p:childTnLst>
+                              <p:par>
+                                <p:cTn id="9" presetID="1" presetClass="entr" presetSubtype="0" fill="hold" nodeType="clickEffect">
+                                  <p:stCondLst>
+                                    <p:cond delay="0"/>
+                                  </p:stCondLst>
+                                  <p:childTnLst>
+                                    <p:set>
+                                      <p:cBhvr>
+                                        <p:cTn id="10" dur="1" fill="hold">
+                                          <p:stCondLst>
+                                            <p:cond delay="0"/>
+                                          </p:stCondLst>
+                                        </p:cTn>
+                                        <p:tgtEl>
+                                          <p:spTgt spid="5">
+                                            <p:txEl>
+                                              <p:pRg st="1" end="1"/>
+                                            </p:txEl>
+                                          </p:spTgt>
+                                        </p:tgtEl>
+                                        <p:attrNameLst>
+                                          <p:attrName>style.visibility</p:attrName>
+                                        </p:attrNameLst>
+                                      </p:cBhvr>
+                                      <p:to>
+                                        <p:strVal val="visible"/>
+                                      </p:to>
+                                    </p:set>
+                                  </p:childTnLst>
+                                </p:cTn>
+                              </p:par>
+                            </p:childTnLst>
+                          </p:cTn>
+                        </p:par>
+                      </p:childTnLst>
+                    </p:cTn>
+                  </p:par>
+                  <p:par>
+                    <p:cTn id="11" fill="hold">
+                      <p:stCondLst>
+                        <p:cond delay="indefinite"/>
+                      </p:stCondLst>
+                      <p:childTnLst>
+                        <p:par>
+                          <p:cTn id="12" fill="hold">
+                            <p:stCondLst>
+                              <p:cond delay="0"/>
+                            </p:stCondLst>
+                            <p:childTnLst>
+                              <p:par>
+                                <p:cTn id="13" presetID="1" presetClass="entr" presetSubtype="0" fill="hold" nodeType="clickEffect">
+                                  <p:stCondLst>
+                                    <p:cond delay="0"/>
+                                  </p:stCondLst>
+                                  <p:childTnLst>
+                                    <p:set>
+                                      <p:cBhvr>
+                                        <p:cTn id="14" dur="1" fill="hold">
+                                          <p:stCondLst>
+                                            <p:cond delay="0"/>
+                                          </p:stCondLst>
+                                        </p:cTn>
+                                        <p:tgtEl>
+                                          <p:spTgt spid="5">
+                                            <p:txEl>
+                                              <p:pRg st="2" end="2"/>
+                                            </p:txEl>
+                                          </p:spTgt>
+                                        </p:tgtEl>
+                                        <p:attrNameLst>
+                                          <p:attrName>style.visibility</p:attrName>
+                                        </p:attrNameLst>
+                                      </p:cBhvr>
+                                      <p:to>
+                                        <p:strVal val="visible"/>
+                                      </p:to>
+                                    </p:set>
+                                  </p:childTnLst>
+                                </p:cTn>
+                              </p:par>
+                            </p:childTnLst>
+                          </p:cTn>
+                        </p:par>
+                      </p:childTnLst>
+                    </p:cTn>
+                  </p:par>
+                  <p:par>
+                    <p:cTn id="15" fill="hold">
+                      <p:stCondLst>
+                        <p:cond delay="indefinite"/>
+                      </p:stCondLst>
+                      <p:childTnLst>
+                        <p:par>
+                          <p:cTn id="16" fill="hold">
+                            <p:stCondLst>
+                              <p:cond delay="0"/>
+                            </p:stCondLst>
+                            <p:childTnLst>
+                              <p:par>
+                                <p:cTn id="17" presetID="1" presetClass="entr" presetSubtype="0" fill="hold" nodeType="clickEffect">
+                                  <p:stCondLst>
+                                    <p:cond delay="0"/>
+                                  </p:stCondLst>
+                                  <p:childTnLst>
+                                    <p:set>
+                                      <p:cBhvr>
+                                        <p:cTn id="18" dur="1" fill="hold">
+                                          <p:stCondLst>
+                                            <p:cond delay="0"/>
+                                          </p:stCondLst>
+                                        </p:cTn>
+                                        <p:tgtEl>
+                                          <p:spTgt spid="5">
+                                            <p:txEl>
+                                              <p:pRg st="3" end="3"/>
+                                            </p:txEl>
+                                          </p:spTgt>
+                                        </p:tgtEl>
+                                        <p:attrNameLst>
+                                          <p:attrName>style.visibility</p:attrName>
+                                        </p:attrNameLst>
+                                      </p:cBhvr>
+                                      <p:to>
+                                        <p:strVal val="visible"/>
+                                      </p:to>
+                                    </p:set>
+                                  </p:childTnLst>
+                                </p:cTn>
+                              </p:par>
+                            </p:childTnLst>
+                          </p:cTn>
+                        </p:par>
+                      </p:childTnLst>
+                    </p:cTn>
+                  </p:par>
+                  <p:par>
+                    <p:cTn id="19" fill="hold">
+                      <p:stCondLst>
+                        <p:cond delay="indefinite"/>
+                      </p:stCondLst>
+                      <p:childTnLst>
+                        <p:par>
+                          <p:cTn id="20" fill="hold">
+                            <p:stCondLst>
+                              <p:cond delay="0"/>
+                            </p:stCondLst>
+                            <p:childTnLst>
+                              <p:par>
+                                <p:cTn id="21" presetID="1" presetClass="entr" presetSubtype="0" fill="hold" nodeType="clickEffect">
+                                  <p:stCondLst>
+                                    <p:cond delay="0"/>
+                                  </p:stCondLst>
+                                  <p:childTnLst>
+                                    <p:set>
+                                      <p:cBhvr>
+                                        <p:cTn id="22" dur="1" fill="hold">
+                                          <p:stCondLst>
+                                            <p:cond delay="0"/>
+                                          </p:stCondLst>
+                                        </p:cTn>
+                                        <p:tgtEl>
+                                          <p:spTgt spid="5">
+                                            <p:txEl>
+                                              <p:pRg st="5" end="5"/>
+                                            </p:txEl>
+                                          </p:spTgt>
+                                        </p:tgtEl>
+                                        <p:attrNameLst>
+                                          <p:attrName>style.visibility</p:attrName>
+                                        </p:attrNameLst>
+                                      </p:cBhvr>
+                                      <p:to>
+                                        <p:strVal val="visible"/>
+                                      </p:to>
+                                    </p:set>
+                                  </p:childTnLst>
+                                </p:cTn>
+                              </p:par>
+                            </p:childTnLst>
+                          </p:cTn>
+                        </p:par>
+                      </p:childTnLst>
+                    </p:cTn>
+                  </p:par>
+                </p:childTnLst>
+              </p:cTn>
+              <p:prevCondLst>
+                <p:cond evt="onPrev" delay="0">
+                  <p:tgtEl>
+                    <p:sldTgt/>
+                  </p:tgtEl>
+                </p:cond>
+              </p:prevCondLst>
+              <p:nextCondLst>
+                <p:cond evt="onNext" delay="0">
+                  <p:tgtEl>
+                    <p:sldTgt/>
+                  </p:tgtEl>
+                </p:cond>
+              </p:nextCondLst>
+            </p:seq>
+          </p:childTnLst>
+        </p:cTn>
+      </p:par>
+    </p:tnLst>
+  </p:timing>
+</p:sld>
+</file>
+
+<file path=ppt/slides/slide8.xml><?xml version="1.0" encoding="utf-8"?>
+<p:sld xmlns:a="http://schemas.openxmlformats.org/drawingml/2006/main" xmlns:r="http://schemas.openxmlformats.org/officeDocument/2006/relationships" xmlns:p="http://schemas.openxmlformats.org/presentationml/2006/main">
+  <p:cSld>
+    <p:spTree>
+      <p:nvGrpSpPr>
+        <p:cNvPr id="1" name=""/>
+        <p:cNvGrpSpPr/>
+        <p:nvPr/>
+      </p:nvGrpSpPr>
+      <p:grpSpPr>
+        <a:xfrm>
+          <a:off x="0" y="0"/>
+          <a:ext cx="0" cy="0"/>
+          <a:chOff x="0" y="0"/>
+          <a:chExt cx="0" cy="0"/>
+        </a:xfrm>
+      </p:grpSpPr>
+      <p:sp>
+        <p:nvSpPr>
+          <p:cNvPr id="2" name="Titel 1">
+            <a:extLst>
+              <a:ext uri="{FF2B5EF4-FFF2-40B4-BE49-F238E27FC236}">
+                <a16:creationId xmlns:a16="http://schemas.microsoft.com/office/drawing/2014/main" id="{CFBC1268-8B1B-4902-A130-E0598C0100DB}"/>
+              </a:ext>
+            </a:extLst>
+          </p:cNvPr>
+          <p:cNvSpPr>
+            <a:spLocks noGrp="1"/>
+          </p:cNvSpPr>
+          <p:nvPr>
+            <p:ph type="title"/>
+          </p:nvPr>
+        </p:nvSpPr>
+        <p:spPr/>
+        <p:txBody>
+          <a:bodyPr/>
+          <a:lstStyle/>
+          <a:p>
+            <a:r>
+              <a:rPr lang="de-DE" sz="4000"/>
+              <a:t>Data</a:t>
+            </a:r>
+            <a:endParaRPr lang="de-DE"/>
+          </a:p>
+        </p:txBody>
+      </p:sp>
+      <p:sp>
+        <p:nvSpPr>
+          <p:cNvPr id="3" name="Fußzeilenplatzhalter 2">
+            <a:extLst>
+              <a:ext uri="{FF2B5EF4-FFF2-40B4-BE49-F238E27FC236}">
+                <a16:creationId xmlns:a16="http://schemas.microsoft.com/office/drawing/2014/main" id="{E929B589-0D24-4F48-A458-B1CECC544108}"/>
+              </a:ext>
+            </a:extLst>
+          </p:cNvPr>
+          <p:cNvSpPr>
+            <a:spLocks noGrp="1"/>
+          </p:cNvSpPr>
+          <p:nvPr>
+            <p:ph type="ftr" sz="quarter" idx="10"/>
+          </p:nvPr>
+        </p:nvSpPr>
+        <p:spPr/>
+        <p:txBody>
+          <a:bodyPr/>
+          <a:lstStyle/>
+          <a:p>
+            <a:r>
+              <a:rPr lang="en-US" noProof="0"/>
+              <a:t>Prof. Dr. Tillmann Schwörer</a:t>
+            </a:r>
+          </a:p>
+        </p:txBody>
+      </p:sp>
+      <p:sp>
+        <p:nvSpPr>
+          <p:cNvPr id="4" name="Foliennummernplatzhalter 3">
+            <a:extLst>
+              <a:ext uri="{FF2B5EF4-FFF2-40B4-BE49-F238E27FC236}">
+                <a16:creationId xmlns:a16="http://schemas.microsoft.com/office/drawing/2014/main" id="{1D589BD3-8357-4C8C-99C7-323CD39E9B22}"/>
+              </a:ext>
+            </a:extLst>
+          </p:cNvPr>
+          <p:cNvSpPr>
+            <a:spLocks noGrp="1"/>
+          </p:cNvSpPr>
+          <p:nvPr>
+            <p:ph type="sldNum" sz="quarter" idx="11"/>
+          </p:nvPr>
+        </p:nvSpPr>
+        <p:spPr/>
+        <p:txBody>
+          <a:bodyPr/>
+          <a:lstStyle/>
+          <a:p>
+            <a:fld id="{F5F19A2F-F7A0-42C7-B875-D17FCC656837}" type="slidenum">
+              <a:rPr lang="en-US" noProof="0" smtClean="0"/>
+              <a:pPr/>
+              <a:t>8</a:t>
+            </a:fld>
+            <a:endParaRPr lang="en-US" noProof="0"/>
+          </a:p>
+        </p:txBody>
+      </p:sp>
+      <p:pic>
+        <p:nvPicPr>
+          <p:cNvPr id="5" name="Grafik 4">
+            <a:extLst>
+              <a:ext uri="{FF2B5EF4-FFF2-40B4-BE49-F238E27FC236}">
+                <a16:creationId xmlns:a16="http://schemas.microsoft.com/office/drawing/2014/main" id="{A25970D9-E442-4CD3-B26F-6FDCBA3D03F4}"/>
+              </a:ext>
+            </a:extLst>
+          </p:cNvPr>
+          <p:cNvPicPr>
+            <a:picLocks noChangeAspect="1"/>
+          </p:cNvPicPr>
+          <p:nvPr/>
+        </p:nvPicPr>
+        <p:blipFill>
+          <a:blip r:embed="rId2"/>
+          <a:stretch>
+            <a:fillRect/>
+          </a:stretch>
+        </p:blipFill>
+        <p:spPr>
+          <a:xfrm>
+            <a:off x="390180" y="1376232"/>
+            <a:ext cx="11411639" cy="4879535"/>
+          </a:xfrm>
+          <a:prstGeom prst="rect">
+            <a:avLst/>
+          </a:prstGeom>
+        </p:spPr>
+      </p:pic>
+    </p:spTree>
+    <p:extLst>
+      <p:ext uri="{BB962C8B-B14F-4D97-AF65-F5344CB8AC3E}">
+        <p14:creationId xmlns:p14="http://schemas.microsoft.com/office/powerpoint/2010/main" val="2411027402"/>
+      </p:ext>
+    </p:extLst>
+  </p:cSld>
+  <p:clrMapOvr>
+    <a:masterClrMapping/>
+  </p:clrMapOvr>
+</p:sld>
+</file>
+
+<file path=ppt/slides/slide9.xml><?xml version="1.0" encoding="utf-8"?>
+<p:sld xmlns:a="http://schemas.openxmlformats.org/drawingml/2006/main" xmlns:r="http://schemas.openxmlformats.org/officeDocument/2006/relationships" xmlns:p="http://schemas.openxmlformats.org/presentationml/2006/main">
+  <p:cSld>
+    <p:spTree>
+      <p:nvGrpSpPr>
+        <p:cNvPr id="1" name=""/>
+        <p:cNvGrpSpPr/>
+        <p:nvPr/>
+      </p:nvGrpSpPr>
+      <p:grpSpPr>
+        <a:xfrm>
+          <a:off x="0" y="0"/>
+          <a:ext cx="0" cy="0"/>
+          <a:chOff x="0" y="0"/>
+          <a:chExt cx="0" cy="0"/>
+        </a:xfrm>
+      </p:grpSpPr>
+      <p:sp>
+        <p:nvSpPr>
+          <p:cNvPr id="2" name="Titel 1">
+            <a:extLst>
+              <a:ext uri="{FF2B5EF4-FFF2-40B4-BE49-F238E27FC236}">
+                <a16:creationId xmlns:a16="http://schemas.microsoft.com/office/drawing/2014/main" id="{6FE73DB7-E70A-4836-98F6-0895298F05EC}"/>
+              </a:ext>
+            </a:extLst>
+          </p:cNvPr>
+          <p:cNvSpPr>
+            <a:spLocks noGrp="1"/>
+          </p:cNvSpPr>
+          <p:nvPr>
+            <p:ph type="title"/>
+          </p:nvPr>
+        </p:nvSpPr>
+        <p:spPr/>
+        <p:txBody>
+          <a:bodyPr/>
+          <a:lstStyle/>
+          <a:p>
+            <a:r>
+              <a:rPr lang="de-DE" sz="4000"/>
+              <a:t>Data</a:t>
+            </a:r>
+          </a:p>
+        </p:txBody>
+      </p:sp>
+      <p:sp>
+        <p:nvSpPr>
+          <p:cNvPr id="3" name="Fußzeilenplatzhalter 2">
+            <a:extLst>
+              <a:ext uri="{FF2B5EF4-FFF2-40B4-BE49-F238E27FC236}">
+                <a16:creationId xmlns:a16="http://schemas.microsoft.com/office/drawing/2014/main" id="{5A634759-3C27-47F3-AC52-BB3C5D52A2F8}"/>
+              </a:ext>
+            </a:extLst>
+          </p:cNvPr>
+          <p:cNvSpPr>
+            <a:spLocks noGrp="1"/>
+          </p:cNvSpPr>
+          <p:nvPr>
+            <p:ph type="ftr" sz="quarter" idx="10"/>
+          </p:nvPr>
+        </p:nvSpPr>
+        <p:spPr/>
+        <p:txBody>
+          <a:bodyPr/>
+          <a:lstStyle/>
+          <a:p>
+            <a:r>
+              <a:rPr lang="en-US" noProof="0"/>
+              <a:t>Prof. Dr. Tillmann Schwörer</a:t>
+            </a:r>
+          </a:p>
+        </p:txBody>
+      </p:sp>
+      <p:sp>
+        <p:nvSpPr>
+          <p:cNvPr id="4" name="Foliennummernplatzhalter 3">
+            <a:extLst>
+              <a:ext uri="{FF2B5EF4-FFF2-40B4-BE49-F238E27FC236}">
+                <a16:creationId xmlns:a16="http://schemas.microsoft.com/office/drawing/2014/main" id="{BAC32A35-3A5F-4AE8-A502-492339590D26}"/>
+              </a:ext>
+            </a:extLst>
+          </p:cNvPr>
+          <p:cNvSpPr>
+            <a:spLocks noGrp="1"/>
+          </p:cNvSpPr>
+          <p:nvPr>
+            <p:ph type="sldNum" sz="quarter" idx="11"/>
+          </p:nvPr>
+        </p:nvSpPr>
+        <p:spPr/>
+        <p:txBody>
+          <a:bodyPr/>
+          <a:lstStyle/>
+          <a:p>
+            <a:fld id="{F5F19A2F-F7A0-42C7-B875-D17FCC656837}" type="slidenum">
+              <a:rPr lang="en-US" noProof="0" smtClean="0"/>
+              <a:pPr/>
+              <a:t>9</a:t>
+            </a:fld>
+            <a:endParaRPr lang="en-US" noProof="0"/>
+          </a:p>
+        </p:txBody>
+      </p:sp>
+      <p:sp>
+        <p:nvSpPr>
+          <p:cNvPr id="5" name="Textplatzhalter 4">
+            <a:extLst>
+              <a:ext uri="{FF2B5EF4-FFF2-40B4-BE49-F238E27FC236}">
+                <a16:creationId xmlns:a16="http://schemas.microsoft.com/office/drawing/2014/main" id="{235E0306-9676-4D06-B29D-155BF7A7546F}"/>
+              </a:ext>
+            </a:extLst>
+          </p:cNvPr>
+          <p:cNvSpPr>
+            <a:spLocks noGrp="1"/>
+          </p:cNvSpPr>
+          <p:nvPr>
+            <p:ph type="body" sz="quarter" idx="12"/>
+          </p:nvPr>
+        </p:nvSpPr>
+        <p:spPr/>
+        <p:txBody>
+          <a:bodyPr/>
+          <a:lstStyle/>
+          <a:p>
+            <a:pPr marL="0" indent="0">
+              <a:buNone/>
+            </a:pPr>
+            <a:r>
+              <a:rPr lang="en-US" sz="3000" b="1"/>
+              <a:t>External Factors:</a:t>
+            </a:r>
+          </a:p>
+          <a:p>
+            <a:r>
+              <a:rPr lang="en-US" sz="3000"/>
+              <a:t>Source: Open Streetmap, Overpass API</a:t>
+            </a:r>
+          </a:p>
+          <a:p>
+            <a:r>
+              <a:rPr lang="en-US" sz="3000">
+                <a:solidFill>
+                  <a:schemeClr val="accent3"/>
+                </a:solidFill>
+              </a:rPr>
+              <a:t>Tagged</a:t>
+            </a:r>
+            <a:r>
+              <a:rPr lang="en-US" sz="3000"/>
+              <a:t> (bus station, café, …) and </a:t>
+            </a:r>
+            <a:r>
+              <a:rPr lang="en-US" sz="3000">
+                <a:solidFill>
+                  <a:schemeClr val="accent4"/>
+                </a:solidFill>
+              </a:rPr>
+              <a:t>geocoded</a:t>
+            </a:r>
+            <a:r>
+              <a:rPr lang="en-US" sz="3000"/>
+              <a:t> (longitude, latitude) data on almost everything</a:t>
+            </a:r>
+          </a:p>
+          <a:p>
+            <a:r>
+              <a:rPr lang="de-DE" sz="2800">
+                <a:sym typeface="Wingdings" panose="05000000000000000000" pitchFamily="2" charset="2"/>
+              </a:rPr>
+              <a:t>For each airbnb apartment we derive:</a:t>
+            </a:r>
+          </a:p>
+          <a:p>
+            <a:pPr lvl="1"/>
+            <a:r>
+              <a:rPr lang="de-DE" sz="2600">
+                <a:sym typeface="Wingdings" panose="05000000000000000000" pitchFamily="2" charset="2"/>
+              </a:rPr>
+              <a:t>distance in m to closest tram or train stop</a:t>
+            </a:r>
+          </a:p>
+          <a:p>
+            <a:pPr lvl="1"/>
+            <a:r>
+              <a:rPr lang="de-DE" sz="2600">
+                <a:sym typeface="Wingdings" panose="05000000000000000000" pitchFamily="2" charset="2"/>
+              </a:rPr>
+              <a:t>number of  restaurants within radius 300m</a:t>
+            </a:r>
+          </a:p>
+          <a:p>
+            <a:pPr lvl="1"/>
+            <a:r>
+              <a:rPr lang="de-DE" sz="2600">
+                <a:sym typeface="Wingdings" panose="05000000000000000000" pitchFamily="2" charset="2"/>
+              </a:rPr>
+              <a:t>number of attractions (museum, gallery, zoo) within 1000m</a:t>
+            </a:r>
+          </a:p>
+          <a:p>
+            <a:pPr lvl="1"/>
+            <a:r>
+              <a:rPr lang="de-DE" sz="2600">
+                <a:sym typeface="Wingdings" panose="05000000000000000000" pitchFamily="2" charset="2"/>
+              </a:rPr>
+              <a:t>…</a:t>
+            </a:r>
+          </a:p>
+          <a:p>
+            <a:endParaRPr lang="de-DE"/>
+          </a:p>
+        </p:txBody>
+      </p:sp>
+    </p:spTree>
+    <p:extLst>
+      <p:ext uri="{BB962C8B-B14F-4D97-AF65-F5344CB8AC3E}">
+        <p14:creationId xmlns:p14="http://schemas.microsoft.com/office/powerpoint/2010/main" val="962336494"/>
+      </p:ext>
+    </p:extLst>
+  </p:cSld>
+  <p:clrMapOvr>
+    <a:masterClrMapping/>
+  </p:clrMapOvr>
 </p:sld>
 </file>
 
@@ -9618,12 +11890,9 @@
 </file>
 
 <file path=customXml/item1.xml><?xml version="1.0" encoding="utf-8"?>
-<?mso-contentType ?>
-<FormTemplates xmlns="http://schemas.microsoft.com/sharepoint/v3/contenttype/forms">
-  <Display>DocumentLibraryForm</Display>
-  <Edit>DocumentLibraryForm</Edit>
-  <New>DocumentLibraryForm</New>
-</FormTemplates>
+<p:properties xmlns:p="http://schemas.microsoft.com/office/2006/metadata/properties" xmlns:xsi="http://www.w3.org/2001/XMLSchema-instance" xmlns:pc="http://schemas.microsoft.com/office/infopath/2007/PartnerControls">
+  <documentManagement/>
+</p:properties>
 </file>
 
 <file path=customXml/item2.xml><?xml version="1.0" encoding="utf-8"?>
@@ -9791,15 +12060,19 @@
 </file>
 
 <file path=customXml/item3.xml><?xml version="1.0" encoding="utf-8"?>
-<p:properties xmlns:p="http://schemas.microsoft.com/office/2006/metadata/properties" xmlns:xsi="http://www.w3.org/2001/XMLSchema-instance" xmlns:pc="http://schemas.microsoft.com/office/infopath/2007/PartnerControls">
-  <documentManagement/>
-</p:properties>
+<?mso-contentType ?>
+<FormTemplates xmlns="http://schemas.microsoft.com/sharepoint/v3/contenttype/forms">
+  <Display>DocumentLibraryForm</Display>
+  <Edit>DocumentLibraryForm</Edit>
+  <New>DocumentLibraryForm</New>
+</FormTemplates>
 </file>
 
 <file path=customXml/itemProps1.xml><?xml version="1.0" encoding="utf-8"?>
-<ds:datastoreItem xmlns:ds="http://schemas.openxmlformats.org/officeDocument/2006/customXml" ds:itemID="{798287F1-2C3F-4FF4-AC3A-BB47CD2D6C16}">
+<ds:datastoreItem xmlns:ds="http://schemas.openxmlformats.org/officeDocument/2006/customXml" ds:itemID="{DD10ED55-F54B-461C-BDEA-36CC127BBEF9}">
   <ds:schemaRefs>
-    <ds:schemaRef ds:uri="http://schemas.microsoft.com/sharepoint/v3/contenttype/forms"/>
+    <ds:schemaRef ds:uri="http://schemas.microsoft.com/office/2006/metadata/properties"/>
+    <ds:schemaRef ds:uri="http://schemas.microsoft.com/office/infopath/2007/PartnerControls"/>
   </ds:schemaRefs>
 </ds:datastoreItem>
 </file>
@@ -9823,10 +12096,9 @@
 </file>
 
 <file path=customXml/itemProps3.xml><?xml version="1.0" encoding="utf-8"?>
-<ds:datastoreItem xmlns:ds="http://schemas.openxmlformats.org/officeDocument/2006/customXml" ds:itemID="{DD10ED55-F54B-461C-BDEA-36CC127BBEF9}">
+<ds:datastoreItem xmlns:ds="http://schemas.openxmlformats.org/officeDocument/2006/customXml" ds:itemID="{798287F1-2C3F-4FF4-AC3A-BB47CD2D6C16}">
   <ds:schemaRefs>
-    <ds:schemaRef ds:uri="http://schemas.microsoft.com/office/2006/metadata/properties"/>
-    <ds:schemaRef ds:uri="http://schemas.microsoft.com/office/infopath/2007/PartnerControls"/>
+    <ds:schemaRef ds:uri="http://schemas.microsoft.com/sharepoint/v3/contenttype/forms"/>
   </ds:schemaRefs>
 </ds:datastoreItem>
 </file>